--- a/lesson2/object.pptx
+++ b/lesson2/object.pptx
@@ -6,11 +6,12 @@
   </p:sldMasterIdLst>
   <p:sldIdLst>
     <p:sldId id="256" r:id="rId2"/>
-    <p:sldId id="257" r:id="rId3"/>
-    <p:sldId id="258" r:id="rId4"/>
-    <p:sldId id="259" r:id="rId5"/>
-    <p:sldId id="260" r:id="rId6"/>
-    <p:sldId id="261" r:id="rId7"/>
+    <p:sldId id="262" r:id="rId3"/>
+    <p:sldId id="257" r:id="rId4"/>
+    <p:sldId id="258" r:id="rId5"/>
+    <p:sldId id="259" r:id="rId6"/>
+    <p:sldId id="260" r:id="rId7"/>
+    <p:sldId id="261" r:id="rId8"/>
   </p:sldIdLst>
   <p:sldSz cx="9144000" cy="6858000" type="screen4x3"/>
   <p:notesSz cx="6858000" cy="9144000"/>
@@ -3111,6 +3112,13 @@
   <p:clrMapOvr>
     <a:masterClrMapping/>
   </p:clrMapOvr>
+  <p:timing>
+    <p:tnLst>
+      <p:par>
+        <p:cTn id="1" dur="indefinite" restart="never" nodeType="tmRoot"/>
+      </p:par>
+    </p:tnLst>
+  </p:timing>
 </p:sld>
 </file>
 
@@ -3146,77 +3154,71 @@
           <a:bodyPr/>
           <a:lstStyle/>
           <a:p>
+            <a:endParaRPr lang="zh-CN" altLang="en-US"/>
+          </a:p>
+        </p:txBody>
+      </p:sp>
+      <p:sp>
+        <p:nvSpPr>
+          <p:cNvPr id="3" name="内容占位符 2"/>
+          <p:cNvSpPr>
+            <a:spLocks noGrp="1"/>
+          </p:cNvSpPr>
+          <p:nvPr>
+            <p:ph idx="1"/>
+          </p:nvPr>
+        </p:nvSpPr>
+        <p:spPr/>
+        <p:txBody>
+          <a:bodyPr/>
+          <a:lstStyle/>
+          <a:p>
             <a:r>
               <a:rPr lang="zh-CN" altLang="en-US" dirty="0" smtClean="0"/>
-              <a:t>回到</a:t>
+              <a:t>面向过程 </a:t>
             </a:r>
             <a:r>
               <a:rPr lang="en-US" altLang="zh-CN" dirty="0" smtClean="0"/>
               <a:t>C</a:t>
             </a:r>
+          </a:p>
+          <a:p>
             <a:r>
               <a:rPr lang="zh-CN" altLang="en-US" dirty="0" smtClean="0"/>
-              <a:t>语言</a:t>
-            </a:r>
-            <a:endParaRPr lang="zh-CN" altLang="en-US" dirty="0"/>
-          </a:p>
-        </p:txBody>
-      </p:sp>
-      <p:sp>
-        <p:nvSpPr>
-          <p:cNvPr id="3" name="内容占位符 2"/>
-          <p:cNvSpPr>
-            <a:spLocks noGrp="1"/>
-          </p:cNvSpPr>
-          <p:nvPr>
-            <p:ph idx="1"/>
-          </p:nvPr>
-        </p:nvSpPr>
-        <p:spPr/>
-        <p:txBody>
-          <a:bodyPr/>
-          <a:lstStyle/>
-          <a:p>
+              <a:t>面向对</a:t>
+            </a:r>
             <a:r>
               <a:rPr lang="zh-CN" altLang="en-US" dirty="0" smtClean="0"/>
-              <a:t>面向过程</a:t>
+              <a:t>象 </a:t>
+            </a:r>
+            <a:r>
+              <a:rPr lang="en-US" altLang="zh-CN" dirty="0" smtClean="0"/>
+              <a:t>C++/Java/Python/Ruby</a:t>
+            </a:r>
+          </a:p>
+          <a:p>
+            <a:r>
+              <a:rPr lang="zh-CN" altLang="en-US" dirty="0" smtClean="0"/>
+              <a:t>函</a:t>
+            </a:r>
+            <a:r>
+              <a:rPr lang="zh-CN" altLang="en-US" dirty="0" smtClean="0"/>
+              <a:t>数语言 </a:t>
+            </a:r>
+            <a:r>
+              <a:rPr lang="en-US" altLang="zh-CN" dirty="0" smtClean="0"/>
+              <a:t>Lisp/Closure/</a:t>
+            </a:r>
+            <a:r>
+              <a:rPr lang="en-US" altLang="zh-CN" dirty="0" err="1" smtClean="0"/>
+              <a:t>Javascript</a:t>
             </a:r>
             <a:endParaRPr lang="en-US" altLang="zh-CN" dirty="0" smtClean="0"/>
           </a:p>
           <a:p>
-            <a:r>
-              <a:rPr lang="zh-CN" altLang="en-US" dirty="0" smtClean="0"/>
-              <a:t>基于函数的代码复用</a:t>
-            </a:r>
             <a:endParaRPr lang="en-US" altLang="zh-CN" dirty="0" smtClean="0"/>
           </a:p>
           <a:p>
-            <a:r>
-              <a:rPr lang="zh-CN" altLang="en-US" dirty="0" smtClean="0"/>
-              <a:t>基于参数传递</a:t>
-            </a:r>
-            <a:endParaRPr lang="en-US" altLang="zh-CN" dirty="0" smtClean="0"/>
-          </a:p>
-          <a:p>
-            <a:r>
-              <a:rPr lang="zh-CN" altLang="en-US" dirty="0" smtClean="0"/>
-              <a:t>描述的完成一件事的过程、步</a:t>
-            </a:r>
-            <a:r>
-              <a:rPr lang="zh-CN" altLang="en-US" dirty="0" smtClean="0"/>
-              <a:t>骤</a:t>
-            </a:r>
-            <a:endParaRPr lang="en-US" altLang="zh-CN" dirty="0" smtClean="0"/>
-          </a:p>
-          <a:p>
-            <a:r>
-              <a:rPr lang="zh-CN" altLang="en-US" dirty="0" smtClean="0"/>
-              <a:t>核</a:t>
-            </a:r>
-            <a:r>
-              <a:rPr lang="zh-CN" altLang="en-US" dirty="0" smtClean="0"/>
-              <a:t>心是动词</a:t>
-            </a:r>
             <a:endParaRPr lang="zh-CN" altLang="en-US" dirty="0"/>
           </a:p>
         </p:txBody>
@@ -3263,7 +3265,15 @@
           <a:p>
             <a:r>
               <a:rPr lang="zh-CN" altLang="en-US" dirty="0" smtClean="0"/>
-              <a:t>事例</a:t>
+              <a:t>回到</a:t>
+            </a:r>
+            <a:r>
+              <a:rPr lang="en-US" altLang="zh-CN" dirty="0" smtClean="0"/>
+              <a:t>C</a:t>
+            </a:r>
+            <a:r>
+              <a:rPr lang="zh-CN" altLang="en-US" dirty="0" smtClean="0"/>
+              <a:t>语言</a:t>
             </a:r>
             <a:endParaRPr lang="zh-CN" altLang="en-US" dirty="0"/>
           </a:p>
@@ -3285,8 +3295,36 @@
           <a:lstStyle/>
           <a:p>
             <a:r>
-              <a:rPr lang="zh-CN" altLang="en-US" smtClean="0"/>
-              <a:t>实现我的一天</a:t>
+              <a:rPr lang="zh-CN" altLang="en-US" dirty="0" smtClean="0"/>
+              <a:t>面向过程</a:t>
+            </a:r>
+            <a:endParaRPr lang="en-US" altLang="zh-CN" dirty="0" smtClean="0"/>
+          </a:p>
+          <a:p>
+            <a:r>
+              <a:rPr lang="zh-CN" altLang="en-US" dirty="0" smtClean="0"/>
+              <a:t>基于函数的代码复用</a:t>
+            </a:r>
+            <a:endParaRPr lang="en-US" altLang="zh-CN" dirty="0" smtClean="0"/>
+          </a:p>
+          <a:p>
+            <a:r>
+              <a:rPr lang="zh-CN" altLang="en-US" dirty="0" smtClean="0"/>
+              <a:t>基于参数传递</a:t>
+            </a:r>
+            <a:endParaRPr lang="en-US" altLang="zh-CN" dirty="0" smtClean="0"/>
+          </a:p>
+          <a:p>
+            <a:r>
+              <a:rPr lang="zh-CN" altLang="en-US" dirty="0" smtClean="0"/>
+              <a:t>描述的完成一件事的过程、步骤</a:t>
+            </a:r>
+            <a:endParaRPr lang="en-US" altLang="zh-CN" dirty="0" smtClean="0"/>
+          </a:p>
+          <a:p>
+            <a:r>
+              <a:rPr lang="zh-CN" altLang="en-US" dirty="0" smtClean="0"/>
+              <a:t>核心是动词</a:t>
             </a:r>
             <a:endParaRPr lang="zh-CN" altLang="en-US" dirty="0"/>
           </a:p>
@@ -3297,6 +3335,13 @@
   <p:clrMapOvr>
     <a:masterClrMapping/>
   </p:clrMapOvr>
+  <p:timing>
+    <p:tnLst>
+      <p:par>
+        <p:cTn id="1" dur="indefinite" restart="never" nodeType="tmRoot"/>
+      </p:par>
+    </p:tnLst>
+  </p:timing>
 </p:sld>
 </file>
 
@@ -3334,7 +3379,7 @@
           <a:p>
             <a:r>
               <a:rPr lang="zh-CN" altLang="en-US" dirty="0" smtClean="0"/>
-              <a:t>那么如何面向对象？</a:t>
+              <a:t>事例</a:t>
             </a:r>
             <a:endParaRPr lang="zh-CN" altLang="en-US" dirty="0"/>
           </a:p>
@@ -3356,41 +3401,8 @@
           <a:lstStyle/>
           <a:p>
             <a:r>
-              <a:rPr lang="zh-CN" altLang="en-US" dirty="0" smtClean="0"/>
-              <a:t>面向对象</a:t>
-            </a:r>
-            <a:endParaRPr lang="en-US" altLang="zh-CN" dirty="0" smtClean="0"/>
-          </a:p>
-          <a:p>
-            <a:r>
-              <a:rPr lang="zh-CN" altLang="en-US" dirty="0" smtClean="0"/>
-              <a:t>基</a:t>
-            </a:r>
-            <a:r>
-              <a:rPr lang="zh-CN" altLang="en-US" dirty="0" smtClean="0"/>
-              <a:t>于类的继承，多态等的代码复用</a:t>
-            </a:r>
-            <a:endParaRPr lang="en-US" altLang="zh-CN" dirty="0" smtClean="0"/>
-          </a:p>
-          <a:p>
-            <a:r>
-              <a:rPr lang="zh-CN" altLang="en-US" dirty="0" smtClean="0"/>
-              <a:t>描</a:t>
-            </a:r>
-            <a:r>
-              <a:rPr lang="zh-CN" altLang="en-US" dirty="0" smtClean="0"/>
-              <a:t>述的是事物的状态变化</a:t>
-            </a:r>
-            <a:endParaRPr lang="en-US" altLang="zh-CN" dirty="0" smtClean="0"/>
-          </a:p>
-          <a:p>
-            <a:r>
-              <a:rPr lang="zh-CN" altLang="en-US" dirty="0" smtClean="0"/>
-              <a:t>核</a:t>
-            </a:r>
-            <a:r>
-              <a:rPr lang="zh-CN" altLang="en-US" dirty="0" smtClean="0"/>
-              <a:t>心是名词</a:t>
+              <a:rPr lang="zh-CN" altLang="en-US" smtClean="0"/>
+              <a:t>实现我的一天</a:t>
             </a:r>
             <a:endParaRPr lang="zh-CN" altLang="en-US" dirty="0"/>
           </a:p>
@@ -3401,6 +3413,13 @@
   <p:clrMapOvr>
     <a:masterClrMapping/>
   </p:clrMapOvr>
+  <p:timing>
+    <p:tnLst>
+      <p:par>
+        <p:cTn id="1" dur="indefinite" restart="never" nodeType="tmRoot"/>
+      </p:par>
+    </p:tnLst>
+  </p:timing>
 </p:sld>
 </file>
 
@@ -3438,7 +3457,7 @@
           <a:p>
             <a:r>
               <a:rPr lang="zh-CN" altLang="en-US" dirty="0" smtClean="0"/>
-              <a:t>事例</a:t>
+              <a:t>那么如何面向对象？</a:t>
             </a:r>
             <a:endParaRPr lang="zh-CN" altLang="en-US" dirty="0"/>
           </a:p>
@@ -3461,7 +3480,28 @@
           <a:p>
             <a:r>
               <a:rPr lang="zh-CN" altLang="en-US" dirty="0" smtClean="0"/>
-              <a:t>实现我的一天</a:t>
+              <a:t>面向对象</a:t>
+            </a:r>
+            <a:endParaRPr lang="en-US" altLang="zh-CN" dirty="0" smtClean="0"/>
+          </a:p>
+          <a:p>
+            <a:r>
+              <a:rPr lang="zh-CN" altLang="en-US" dirty="0" smtClean="0"/>
+              <a:t>基于类的继承，多态等的代码复用</a:t>
+            </a:r>
+            <a:endParaRPr lang="en-US" altLang="zh-CN" dirty="0" smtClean="0"/>
+          </a:p>
+          <a:p>
+            <a:r>
+              <a:rPr lang="zh-CN" altLang="en-US" dirty="0" smtClean="0"/>
+              <a:t>描述的是事物的状态变化</a:t>
+            </a:r>
+            <a:endParaRPr lang="en-US" altLang="zh-CN" dirty="0" smtClean="0"/>
+          </a:p>
+          <a:p>
+            <a:r>
+              <a:rPr lang="zh-CN" altLang="en-US" dirty="0" smtClean="0"/>
+              <a:t>核心是名词</a:t>
             </a:r>
             <a:endParaRPr lang="zh-CN" altLang="en-US" dirty="0"/>
           </a:p>
@@ -3472,6 +3512,13 @@
   <p:clrMapOvr>
     <a:masterClrMapping/>
   </p:clrMapOvr>
+  <p:timing>
+    <p:tnLst>
+      <p:par>
+        <p:cTn id="1" dur="indefinite" restart="never" nodeType="tmRoot"/>
+      </p:par>
+    </p:tnLst>
+  </p:timing>
 </p:sld>
 </file>
 
@@ -3509,7 +3556,7 @@
           <a:p>
             <a:r>
               <a:rPr lang="zh-CN" altLang="en-US" dirty="0" smtClean="0"/>
-              <a:t>另外的例子</a:t>
+              <a:t>事例</a:t>
             </a:r>
             <a:endParaRPr lang="zh-CN" altLang="en-US" dirty="0"/>
           </a:p>
@@ -3532,33 +3579,8 @@
           <a:p>
             <a:r>
               <a:rPr lang="zh-CN" altLang="en-US" dirty="0" smtClean="0"/>
-              <a:t>形状</a:t>
-            </a:r>
-            <a:endParaRPr lang="en-US" altLang="zh-CN" dirty="0" smtClean="0"/>
-          </a:p>
-          <a:p>
-            <a:r>
-              <a:rPr lang="zh-CN" altLang="en-US" dirty="0" smtClean="0"/>
-              <a:t>长方</a:t>
-            </a:r>
-            <a:r>
-              <a:rPr lang="zh-CN" altLang="en-US" dirty="0" smtClean="0"/>
-              <a:t>形</a:t>
-            </a:r>
-            <a:endParaRPr lang="en-US" altLang="zh-CN" dirty="0" smtClean="0"/>
-          </a:p>
-          <a:p>
-            <a:r>
-              <a:rPr lang="zh-CN" altLang="en-US" dirty="0" smtClean="0"/>
-              <a:t>正方</a:t>
-            </a:r>
-            <a:r>
-              <a:rPr lang="zh-CN" altLang="en-US" dirty="0" smtClean="0"/>
-              <a:t>形</a:t>
-            </a:r>
-            <a:endParaRPr lang="en-US" altLang="zh-CN" dirty="0" smtClean="0"/>
-          </a:p>
-          <a:p>
+              <a:t>实现我的一天</a:t>
+            </a:r>
             <a:endParaRPr lang="zh-CN" altLang="en-US" dirty="0"/>
           </a:p>
         </p:txBody>
@@ -3568,6 +3590,108 @@
   <p:clrMapOvr>
     <a:masterClrMapping/>
   </p:clrMapOvr>
+  <p:timing>
+    <p:tnLst>
+      <p:par>
+        <p:cTn id="1" dur="indefinite" restart="never" nodeType="tmRoot"/>
+      </p:par>
+    </p:tnLst>
+  </p:timing>
+</p:sld>
+</file>
+
+<file path=ppt/slides/slide7.xml><?xml version="1.0" encoding="utf-8"?>
+<p:sld xmlns:a="http://schemas.openxmlformats.org/drawingml/2006/main" xmlns:r="http://schemas.openxmlformats.org/officeDocument/2006/relationships" xmlns:p="http://schemas.openxmlformats.org/presentationml/2006/main">
+  <p:cSld>
+    <p:spTree>
+      <p:nvGrpSpPr>
+        <p:cNvPr id="1" name=""/>
+        <p:cNvGrpSpPr/>
+        <p:nvPr/>
+      </p:nvGrpSpPr>
+      <p:grpSpPr>
+        <a:xfrm>
+          <a:off x="0" y="0"/>
+          <a:ext cx="0" cy="0"/>
+          <a:chOff x="0" y="0"/>
+          <a:chExt cx="0" cy="0"/>
+        </a:xfrm>
+      </p:grpSpPr>
+      <p:sp>
+        <p:nvSpPr>
+          <p:cNvPr id="2" name="标题 1"/>
+          <p:cNvSpPr>
+            <a:spLocks noGrp="1"/>
+          </p:cNvSpPr>
+          <p:nvPr>
+            <p:ph type="title"/>
+          </p:nvPr>
+        </p:nvSpPr>
+        <p:spPr/>
+        <p:txBody>
+          <a:bodyPr/>
+          <a:lstStyle/>
+          <a:p>
+            <a:r>
+              <a:rPr lang="zh-CN" altLang="en-US" dirty="0" smtClean="0"/>
+              <a:t>另外的例子</a:t>
+            </a:r>
+            <a:endParaRPr lang="zh-CN" altLang="en-US" dirty="0"/>
+          </a:p>
+        </p:txBody>
+      </p:sp>
+      <p:sp>
+        <p:nvSpPr>
+          <p:cNvPr id="3" name="内容占位符 2"/>
+          <p:cNvSpPr>
+            <a:spLocks noGrp="1"/>
+          </p:cNvSpPr>
+          <p:nvPr>
+            <p:ph idx="1"/>
+          </p:nvPr>
+        </p:nvSpPr>
+        <p:spPr/>
+        <p:txBody>
+          <a:bodyPr/>
+          <a:lstStyle/>
+          <a:p>
+            <a:r>
+              <a:rPr lang="zh-CN" altLang="en-US" dirty="0" smtClean="0"/>
+              <a:t>形状</a:t>
+            </a:r>
+            <a:endParaRPr lang="en-US" altLang="zh-CN" dirty="0" smtClean="0"/>
+          </a:p>
+          <a:p>
+            <a:r>
+              <a:rPr lang="zh-CN" altLang="en-US" dirty="0" smtClean="0"/>
+              <a:t>长方形</a:t>
+            </a:r>
+            <a:endParaRPr lang="en-US" altLang="zh-CN" dirty="0" smtClean="0"/>
+          </a:p>
+          <a:p>
+            <a:r>
+              <a:rPr lang="zh-CN" altLang="en-US" dirty="0" smtClean="0"/>
+              <a:t>正方形</a:t>
+            </a:r>
+            <a:endParaRPr lang="en-US" altLang="zh-CN" dirty="0" smtClean="0"/>
+          </a:p>
+          <a:p>
+            <a:endParaRPr lang="zh-CN" altLang="en-US" dirty="0"/>
+          </a:p>
+        </p:txBody>
+      </p:sp>
+    </p:spTree>
+  </p:cSld>
+  <p:clrMapOvr>
+    <a:masterClrMapping/>
+  </p:clrMapOvr>
+  <p:timing>
+    <p:tnLst>
+      <p:par>
+        <p:cTn id="1" dur="indefinite" restart="never" nodeType="tmRoot"/>
+      </p:par>
+    </p:tnLst>
+  </p:timing>
 </p:sld>
 </file>
 

--- a/lesson2/object.pptx
+++ b/lesson2/object.pptx
@@ -11,7 +11,10 @@
     <p:sldId id="258" r:id="rId5"/>
     <p:sldId id="259" r:id="rId6"/>
     <p:sldId id="260" r:id="rId7"/>
-    <p:sldId id="261" r:id="rId8"/>
+    <p:sldId id="263" r:id="rId8"/>
+    <p:sldId id="265" r:id="rId9"/>
+    <p:sldId id="264" r:id="rId10"/>
+    <p:sldId id="261" r:id="rId11"/>
   </p:sldIdLst>
   <p:sldSz cx="9144000" cy="6858000" type="screen4x3"/>
   <p:notesSz cx="6858000" cy="9144000"/>
@@ -3122,6 +3125,101 @@
 </p:sld>
 </file>
 
+<file path=ppt/slides/slide10.xml><?xml version="1.0" encoding="utf-8"?>
+<p:sld xmlns:a="http://schemas.openxmlformats.org/drawingml/2006/main" xmlns:r="http://schemas.openxmlformats.org/officeDocument/2006/relationships" xmlns:p="http://schemas.openxmlformats.org/presentationml/2006/main">
+  <p:cSld>
+    <p:spTree>
+      <p:nvGrpSpPr>
+        <p:cNvPr id="1" name=""/>
+        <p:cNvGrpSpPr/>
+        <p:nvPr/>
+      </p:nvGrpSpPr>
+      <p:grpSpPr>
+        <a:xfrm>
+          <a:off x="0" y="0"/>
+          <a:ext cx="0" cy="0"/>
+          <a:chOff x="0" y="0"/>
+          <a:chExt cx="0" cy="0"/>
+        </a:xfrm>
+      </p:grpSpPr>
+      <p:sp>
+        <p:nvSpPr>
+          <p:cNvPr id="2" name="标题 1"/>
+          <p:cNvSpPr>
+            <a:spLocks noGrp="1"/>
+          </p:cNvSpPr>
+          <p:nvPr>
+            <p:ph type="title"/>
+          </p:nvPr>
+        </p:nvSpPr>
+        <p:spPr/>
+        <p:txBody>
+          <a:bodyPr/>
+          <a:lstStyle/>
+          <a:p>
+            <a:r>
+              <a:rPr lang="zh-CN" altLang="en-US" dirty="0" smtClean="0"/>
+              <a:t>另外的例子</a:t>
+            </a:r>
+            <a:endParaRPr lang="zh-CN" altLang="en-US" dirty="0"/>
+          </a:p>
+        </p:txBody>
+      </p:sp>
+      <p:sp>
+        <p:nvSpPr>
+          <p:cNvPr id="3" name="内容占位符 2"/>
+          <p:cNvSpPr>
+            <a:spLocks noGrp="1"/>
+          </p:cNvSpPr>
+          <p:nvPr>
+            <p:ph idx="1"/>
+          </p:nvPr>
+        </p:nvSpPr>
+        <p:spPr/>
+        <p:txBody>
+          <a:bodyPr/>
+          <a:lstStyle/>
+          <a:p>
+            <a:r>
+              <a:rPr lang="zh-CN" altLang="en-US" dirty="0" smtClean="0"/>
+              <a:t>形状</a:t>
+            </a:r>
+            <a:endParaRPr lang="en-US" altLang="zh-CN" dirty="0" smtClean="0"/>
+          </a:p>
+          <a:p>
+            <a:r>
+              <a:rPr lang="zh-CN" altLang="en-US" dirty="0" smtClean="0"/>
+              <a:t>长方形</a:t>
+            </a:r>
+            <a:endParaRPr lang="en-US" altLang="zh-CN" dirty="0" smtClean="0"/>
+          </a:p>
+          <a:p>
+            <a:r>
+              <a:rPr lang="zh-CN" altLang="en-US" dirty="0" smtClean="0"/>
+              <a:t>正方形</a:t>
+            </a:r>
+            <a:endParaRPr lang="en-US" altLang="zh-CN" dirty="0" smtClean="0"/>
+          </a:p>
+          <a:p>
+            <a:endParaRPr lang="zh-CN" altLang="en-US" dirty="0"/>
+          </a:p>
+        </p:txBody>
+      </p:sp>
+    </p:spTree>
+  </p:cSld>
+  <p:clrMapOvr>
+    <a:masterClrMapping/>
+  </p:clrMapOvr>
+  <p:timing>
+    <p:tnLst>
+      <p:par>
+        <p:cTn id="1" dur="indefinite" restart="never" nodeType="tmRoot"/>
+      </p:par>
+    </p:tnLst>
+  </p:timing>
+</p:sld>
+</file>
+
 <file path=ppt/slides/slide2.xml><?xml version="1.0" encoding="utf-8"?>
 <p:sld xmlns:a="http://schemas.openxmlformats.org/drawingml/2006/main" xmlns:r="http://schemas.openxmlformats.org/officeDocument/2006/relationships" xmlns:p="http://schemas.openxmlformats.org/presentationml/2006/main">
   <p:cSld>
@@ -3185,11 +3283,7 @@
           <a:p>
             <a:r>
               <a:rPr lang="zh-CN" altLang="en-US" dirty="0" smtClean="0"/>
-              <a:t>面向对</a:t>
-            </a:r>
-            <a:r>
-              <a:rPr lang="zh-CN" altLang="en-US" dirty="0" smtClean="0"/>
-              <a:t>象 </a:t>
+              <a:t>面向对象 </a:t>
             </a:r>
             <a:r>
               <a:rPr lang="en-US" altLang="zh-CN" dirty="0" smtClean="0"/>
@@ -3199,11 +3293,7 @@
           <a:p>
             <a:r>
               <a:rPr lang="zh-CN" altLang="en-US" dirty="0" smtClean="0"/>
-              <a:t>函</a:t>
-            </a:r>
-            <a:r>
-              <a:rPr lang="zh-CN" altLang="en-US" dirty="0" smtClean="0"/>
-              <a:t>数语言 </a:t>
+              <a:t>函数语言 </a:t>
             </a:r>
             <a:r>
               <a:rPr lang="en-US" altLang="zh-CN" dirty="0" smtClean="0"/>
@@ -3634,7 +3724,11 @@
           <a:p>
             <a:r>
               <a:rPr lang="zh-CN" altLang="en-US" dirty="0" smtClean="0"/>
-              <a:t>另外的例子</a:t>
+              <a:t>基</a:t>
+            </a:r>
+            <a:r>
+              <a:rPr lang="zh-CN" altLang="en-US" dirty="0" smtClean="0"/>
+              <a:t>础复习</a:t>
             </a:r>
             <a:endParaRPr lang="zh-CN" altLang="en-US" dirty="0"/>
           </a:p>
@@ -3650,36 +3744,393 @@
             <p:ph idx="1"/>
           </p:nvPr>
         </p:nvSpPr>
-        <p:spPr/>
-        <p:txBody>
-          <a:bodyPr/>
-          <a:lstStyle/>
-          <a:p>
-            <a:r>
-              <a:rPr lang="zh-CN" altLang="en-US" dirty="0" smtClean="0"/>
-              <a:t>形状</a:t>
+        <p:spPr>
+          <a:xfrm>
+            <a:off x="457200" y="1412776"/>
+            <a:ext cx="8229600" cy="4713387"/>
+          </a:xfrm>
+        </p:spPr>
+        <p:txBody>
+          <a:bodyPr/>
+          <a:lstStyle/>
+          <a:p>
+            <a:r>
+              <a:rPr lang="en-US" altLang="zh-CN" dirty="0" err="1" smtClean="0"/>
+              <a:t>int</a:t>
+            </a:r>
+            <a:r>
+              <a:rPr lang="en-US" altLang="zh-CN" dirty="0" smtClean="0"/>
+              <a:t>, float, String, char, </a:t>
+            </a:r>
+            <a:r>
+              <a:rPr lang="en-US" altLang="zh-CN" dirty="0" err="1" smtClean="0"/>
+              <a:t>boolean</a:t>
             </a:r>
             <a:endParaRPr lang="en-US" altLang="zh-CN" dirty="0" smtClean="0"/>
           </a:p>
           <a:p>
             <a:r>
-              <a:rPr lang="zh-CN" altLang="en-US" dirty="0" smtClean="0"/>
-              <a:t>长方形</a:t>
+              <a:rPr lang="en-US" altLang="zh-CN" dirty="0" smtClean="0"/>
+              <a:t>if, for, switch/case, while, do</a:t>
+            </a:r>
+          </a:p>
+          <a:p>
+            <a:r>
+              <a:rPr lang="zh-CN" altLang="en-US" dirty="0" smtClean="0"/>
+              <a:t>函</a:t>
+            </a:r>
+            <a:r>
+              <a:rPr lang="zh-CN" altLang="en-US" dirty="0" smtClean="0"/>
+              <a:t>数</a:t>
             </a:r>
             <a:endParaRPr lang="en-US" altLang="zh-CN" dirty="0" smtClean="0"/>
           </a:p>
           <a:p>
             <a:r>
               <a:rPr lang="zh-CN" altLang="en-US" dirty="0" smtClean="0"/>
-              <a:t>正方形</a:t>
-            </a:r>
+              <a:t>运</a:t>
+            </a:r>
+            <a:r>
+              <a:rPr lang="zh-CN" altLang="en-US" dirty="0" smtClean="0"/>
+              <a:t>算符 </a:t>
+            </a:r>
+            <a:r>
+              <a:rPr lang="en-US" altLang="zh-CN" dirty="0" smtClean="0"/>
+              <a:t>+ - * / </a:t>
+            </a:r>
+            <a:r>
+              <a:rPr lang="en-US" altLang="zh-CN" b="1" dirty="0" smtClean="0"/>
+              <a:t>% </a:t>
+            </a:r>
+          </a:p>
+          <a:p>
+            <a:r>
+              <a:rPr lang="zh-CN" altLang="en-US" dirty="0" smtClean="0"/>
+              <a:t>比</a:t>
+            </a:r>
+            <a:r>
+              <a:rPr lang="zh-CN" altLang="en-US" dirty="0" smtClean="0"/>
+              <a:t>较 </a:t>
+            </a:r>
+            <a:r>
+              <a:rPr lang="en-US" altLang="zh-CN" dirty="0" smtClean="0"/>
+              <a:t>== &gt; &lt; &gt;= &lt;= !=</a:t>
+            </a:r>
+          </a:p>
+          <a:p>
+            <a:r>
+              <a:rPr lang="zh-CN" altLang="en-US" dirty="0" smtClean="0"/>
+              <a:t>布</a:t>
+            </a:r>
+            <a:r>
+              <a:rPr lang="zh-CN" altLang="en-US" dirty="0" smtClean="0"/>
+              <a:t>尔 </a:t>
+            </a:r>
+            <a:r>
+              <a:rPr lang="en-US" altLang="zh-CN" dirty="0" smtClean="0"/>
+              <a:t>true, false, ! || &amp;&amp;</a:t>
+            </a:r>
+          </a:p>
+          <a:p>
+            <a:r>
+              <a:rPr lang="zh-CN" altLang="en-US" dirty="0" smtClean="0"/>
+              <a:t>语</a:t>
+            </a:r>
+            <a:r>
+              <a:rPr lang="zh-CN" altLang="en-US" dirty="0" smtClean="0"/>
+              <a:t>法</a:t>
+            </a:r>
+            <a:r>
+              <a:rPr lang="en-US" altLang="zh-CN" dirty="0" smtClean="0"/>
+              <a:t>(; : {})</a:t>
+            </a:r>
+            <a:endParaRPr lang="zh-CN" altLang="en-US" dirty="0" smtClean="0"/>
+          </a:p>
+          <a:p>
+            <a:pPr lvl="1">
+              <a:buNone/>
+            </a:pPr>
             <a:endParaRPr lang="en-US" altLang="zh-CN" dirty="0" smtClean="0"/>
           </a:p>
-          <a:p>
+        </p:txBody>
+      </p:sp>
+    </p:spTree>
+  </p:cSld>
+  <p:clrMapOvr>
+    <a:masterClrMapping/>
+  </p:clrMapOvr>
+  <p:timing>
+    <p:tnLst>
+      <p:par>
+        <p:cTn id="1" dur="indefinite" restart="never" nodeType="tmRoot"/>
+      </p:par>
+    </p:tnLst>
+  </p:timing>
+</p:sld>
+</file>
+
+<file path=ppt/slides/slide8.xml><?xml version="1.0" encoding="utf-8"?>
+<p:sld xmlns:a="http://schemas.openxmlformats.org/drawingml/2006/main" xmlns:r="http://schemas.openxmlformats.org/officeDocument/2006/relationships" xmlns:p="http://schemas.openxmlformats.org/presentationml/2006/main">
+  <p:cSld>
+    <p:spTree>
+      <p:nvGrpSpPr>
+        <p:cNvPr id="1" name=""/>
+        <p:cNvGrpSpPr/>
+        <p:nvPr/>
+      </p:nvGrpSpPr>
+      <p:grpSpPr>
+        <a:xfrm>
+          <a:off x="0" y="0"/>
+          <a:ext cx="0" cy="0"/>
+          <a:chOff x="0" y="0"/>
+          <a:chExt cx="0" cy="0"/>
+        </a:xfrm>
+      </p:grpSpPr>
+      <p:sp>
+        <p:nvSpPr>
+          <p:cNvPr id="2" name="标题 1"/>
+          <p:cNvSpPr>
+            <a:spLocks noGrp="1"/>
+          </p:cNvSpPr>
+          <p:nvPr>
+            <p:ph type="title"/>
+          </p:nvPr>
+        </p:nvSpPr>
+        <p:spPr/>
+        <p:txBody>
+          <a:bodyPr/>
+          <a:lstStyle/>
+          <a:p>
+            <a:r>
+              <a:rPr lang="zh-CN" altLang="en-US" dirty="0" smtClean="0"/>
+              <a:t>练习一</a:t>
+            </a:r>
             <a:endParaRPr lang="zh-CN" altLang="en-US" dirty="0"/>
           </a:p>
         </p:txBody>
       </p:sp>
+      <p:sp>
+        <p:nvSpPr>
+          <p:cNvPr id="3" name="内容占位符 2"/>
+          <p:cNvSpPr>
+            <a:spLocks noGrp="1"/>
+          </p:cNvSpPr>
+          <p:nvPr>
+            <p:ph idx="1"/>
+          </p:nvPr>
+        </p:nvSpPr>
+        <p:spPr/>
+        <p:txBody>
+          <a:bodyPr/>
+          <a:lstStyle/>
+          <a:p>
+            <a:r>
+              <a:rPr lang="zh-CN" altLang="en-US" dirty="0" smtClean="0"/>
+              <a:t>定义：输出</a:t>
+            </a:r>
+            <a:r>
+              <a:rPr lang="en-US" altLang="zh-CN" dirty="0" smtClean="0"/>
+              <a:t>1-N</a:t>
+            </a:r>
+            <a:r>
+              <a:rPr lang="zh-CN" altLang="en-US" dirty="0" smtClean="0"/>
+              <a:t>中可以被</a:t>
+            </a:r>
+            <a:r>
+              <a:rPr lang="en-US" altLang="zh-CN" dirty="0" smtClean="0"/>
+              <a:t>2</a:t>
+            </a:r>
+            <a:r>
+              <a:rPr lang="zh-CN" altLang="en-US" dirty="0" smtClean="0"/>
+              <a:t>整</a:t>
+            </a:r>
+            <a:r>
+              <a:rPr lang="zh-CN" altLang="en-US" dirty="0" smtClean="0"/>
+              <a:t>除的数</a:t>
+            </a:r>
+            <a:endParaRPr lang="en-US" altLang="zh-CN" dirty="0" smtClean="0"/>
+          </a:p>
+          <a:p>
+            <a:r>
+              <a:rPr lang="zh-CN" altLang="en-US" dirty="0" smtClean="0"/>
+              <a:t>输</a:t>
+            </a:r>
+            <a:r>
+              <a:rPr lang="zh-CN" altLang="en-US" dirty="0" smtClean="0"/>
+              <a:t>入：</a:t>
+            </a:r>
+            <a:r>
+              <a:rPr lang="en-US" altLang="zh-CN" dirty="0" smtClean="0"/>
+              <a:t>N</a:t>
+            </a:r>
+          </a:p>
+          <a:p>
+            <a:r>
+              <a:rPr lang="zh-CN" altLang="en-US" dirty="0" smtClean="0"/>
+              <a:t>输</a:t>
+            </a:r>
+            <a:r>
+              <a:rPr lang="zh-CN" altLang="en-US" dirty="0" smtClean="0"/>
+              <a:t>出：</a:t>
+            </a:r>
+            <a:r>
+              <a:rPr lang="zh-CN" altLang="en-US" dirty="0" smtClean="0"/>
+              <a:t>输出</a:t>
+            </a:r>
+            <a:r>
+              <a:rPr lang="en-US" altLang="zh-CN" dirty="0" smtClean="0"/>
+              <a:t>1-N</a:t>
+            </a:r>
+            <a:r>
+              <a:rPr lang="zh-CN" altLang="en-US" dirty="0" smtClean="0"/>
+              <a:t>中可以被</a:t>
+            </a:r>
+            <a:r>
+              <a:rPr lang="en-US" altLang="zh-CN" dirty="0" smtClean="0"/>
+              <a:t>2</a:t>
+            </a:r>
+            <a:r>
+              <a:rPr lang="zh-CN" altLang="en-US" dirty="0" smtClean="0"/>
+              <a:t>整除的数</a:t>
+            </a:r>
+            <a:endParaRPr lang="zh-CN" altLang="en-US" dirty="0"/>
+          </a:p>
+        </p:txBody>
+      </p:sp>
+    </p:spTree>
+  </p:cSld>
+  <p:clrMapOvr>
+    <a:masterClrMapping/>
+  </p:clrMapOvr>
+</p:sld>
+</file>
+
+<file path=ppt/slides/slide9.xml><?xml version="1.0" encoding="utf-8"?>
+<p:sld xmlns:a="http://schemas.openxmlformats.org/drawingml/2006/main" xmlns:r="http://schemas.openxmlformats.org/officeDocument/2006/relationships" xmlns:p="http://schemas.openxmlformats.org/presentationml/2006/main">
+  <p:cSld>
+    <p:spTree>
+      <p:nvGrpSpPr>
+        <p:cNvPr id="1" name=""/>
+        <p:cNvGrpSpPr/>
+        <p:nvPr/>
+      </p:nvGrpSpPr>
+      <p:grpSpPr>
+        <a:xfrm>
+          <a:off x="0" y="0"/>
+          <a:ext cx="0" cy="0"/>
+          <a:chOff x="0" y="0"/>
+          <a:chExt cx="0" cy="0"/>
+        </a:xfrm>
+      </p:grpSpPr>
+      <p:sp>
+        <p:nvSpPr>
+          <p:cNvPr id="2" name="标题 1"/>
+          <p:cNvSpPr>
+            <a:spLocks noGrp="1"/>
+          </p:cNvSpPr>
+          <p:nvPr>
+            <p:ph type="title"/>
+          </p:nvPr>
+        </p:nvSpPr>
+        <p:spPr/>
+        <p:txBody>
+          <a:bodyPr/>
+          <a:lstStyle/>
+          <a:p>
+            <a:r>
+              <a:rPr lang="zh-CN" altLang="en-US" dirty="0" smtClean="0"/>
+              <a:t>练</a:t>
+            </a:r>
+            <a:r>
+              <a:rPr lang="zh-CN" altLang="en-US" dirty="0" smtClean="0"/>
+              <a:t>习二</a:t>
+            </a:r>
+            <a:endParaRPr lang="zh-CN" altLang="en-US" dirty="0"/>
+          </a:p>
+        </p:txBody>
+      </p:sp>
+      <p:sp>
+        <p:nvSpPr>
+          <p:cNvPr id="3" name="内容占位符 2"/>
+          <p:cNvSpPr>
+            <a:spLocks noGrp="1"/>
+          </p:cNvSpPr>
+          <p:nvPr>
+            <p:ph idx="1"/>
+          </p:nvPr>
+        </p:nvSpPr>
+        <p:spPr/>
+        <p:txBody>
+          <a:bodyPr/>
+          <a:lstStyle/>
+          <a:p>
+            <a:r>
+              <a:rPr lang="zh-CN" altLang="en-US" dirty="0" smtClean="0"/>
+              <a:t>定义：输出</a:t>
+            </a:r>
+            <a:r>
+              <a:rPr lang="zh-CN" altLang="en-US" dirty="0" smtClean="0"/>
+              <a:t>九九乘法</a:t>
+            </a:r>
+            <a:r>
+              <a:rPr lang="zh-CN" altLang="en-US" dirty="0" smtClean="0"/>
+              <a:t>表</a:t>
+            </a:r>
+            <a:endParaRPr lang="en-US" altLang="zh-CN" dirty="0" smtClean="0"/>
+          </a:p>
+          <a:p>
+            <a:r>
+              <a:rPr lang="zh-CN" altLang="en-US" dirty="0" smtClean="0"/>
+              <a:t>输</a:t>
+            </a:r>
+            <a:r>
+              <a:rPr lang="zh-CN" altLang="en-US" dirty="0" smtClean="0"/>
+              <a:t>入：无</a:t>
+            </a:r>
+            <a:endParaRPr lang="en-US" altLang="zh-CN" dirty="0" smtClean="0"/>
+          </a:p>
+          <a:p>
+            <a:r>
+              <a:rPr lang="zh-CN" altLang="en-US" dirty="0" smtClean="0"/>
+              <a:t>输</a:t>
+            </a:r>
+            <a:r>
+              <a:rPr lang="zh-CN" altLang="en-US" dirty="0" smtClean="0"/>
+              <a:t>出：九九乘法表，即</a:t>
+            </a:r>
+            <a:endParaRPr lang="en-US" altLang="zh-CN" dirty="0" smtClean="0"/>
+          </a:p>
+          <a:p>
+            <a:endParaRPr lang="en-US" altLang="zh-CN" dirty="0" smtClean="0"/>
+          </a:p>
+        </p:txBody>
+      </p:sp>
+      <p:pic>
+        <p:nvPicPr>
+          <p:cNvPr id="1026" name="Picture 2" descr="C:\Users\Administrator\Desktop\a8ec8a13632762d0f70bbd9ca0ec08fa513dc6df.jpg"/>
+          <p:cNvPicPr>
+            <a:picLocks noChangeAspect="1" noChangeArrowheads="1"/>
+          </p:cNvPicPr>
+          <p:nvPr/>
+        </p:nvPicPr>
+        <p:blipFill>
+          <a:blip r:embed="rId2" cstate="print"/>
+          <a:srcRect/>
+          <a:stretch>
+            <a:fillRect/>
+          </a:stretch>
+        </p:blipFill>
+        <p:spPr bwMode="auto">
+          <a:xfrm>
+            <a:off x="971600" y="3429000"/>
+            <a:ext cx="7140856" cy="2664296"/>
+          </a:xfrm>
+          <a:prstGeom prst="rect">
+            <a:avLst/>
+          </a:prstGeom>
+          <a:noFill/>
+        </p:spPr>
+      </p:pic>
     </p:spTree>
   </p:cSld>
   <p:clrMapOvr>

--- a/lesson2/object.pptx
+++ b/lesson2/object.pptx
@@ -13,8 +13,9 @@
     <p:sldId id="260" r:id="rId7"/>
     <p:sldId id="263" r:id="rId8"/>
     <p:sldId id="265" r:id="rId9"/>
-    <p:sldId id="264" r:id="rId10"/>
-    <p:sldId id="261" r:id="rId11"/>
+    <p:sldId id="266" r:id="rId10"/>
+    <p:sldId id="264" r:id="rId11"/>
+    <p:sldId id="261" r:id="rId12"/>
   </p:sldIdLst>
   <p:sldSz cx="9144000" cy="6858000" type="screen4x3"/>
   <p:notesSz cx="6858000" cy="9144000"/>
@@ -3159,7 +3160,7 @@
           <a:p>
             <a:r>
               <a:rPr lang="zh-CN" altLang="en-US" dirty="0" smtClean="0"/>
-              <a:t>另外的例子</a:t>
+              <a:t>练习二</a:t>
             </a:r>
             <a:endParaRPr lang="zh-CN" altLang="en-US" dirty="0"/>
           </a:p>
@@ -3182,921 +3183,21 @@
           <a:p>
             <a:r>
               <a:rPr lang="zh-CN" altLang="en-US" dirty="0" smtClean="0"/>
-              <a:t>形状</a:t>
+              <a:t>定义：输出九九乘法表</a:t>
             </a:r>
             <a:endParaRPr lang="en-US" altLang="zh-CN" dirty="0" smtClean="0"/>
           </a:p>
           <a:p>
             <a:r>
               <a:rPr lang="zh-CN" altLang="en-US" dirty="0" smtClean="0"/>
-              <a:t>长方形</a:t>
+              <a:t>输入：无</a:t>
             </a:r>
             <a:endParaRPr lang="en-US" altLang="zh-CN" dirty="0" smtClean="0"/>
           </a:p>
           <a:p>
             <a:r>
               <a:rPr lang="zh-CN" altLang="en-US" dirty="0" smtClean="0"/>
-              <a:t>正方形</a:t>
-            </a:r>
-            <a:endParaRPr lang="en-US" altLang="zh-CN" dirty="0" smtClean="0"/>
-          </a:p>
-          <a:p>
-            <a:endParaRPr lang="zh-CN" altLang="en-US" dirty="0"/>
-          </a:p>
-        </p:txBody>
-      </p:sp>
-    </p:spTree>
-  </p:cSld>
-  <p:clrMapOvr>
-    <a:masterClrMapping/>
-  </p:clrMapOvr>
-  <p:timing>
-    <p:tnLst>
-      <p:par>
-        <p:cTn id="1" dur="indefinite" restart="never" nodeType="tmRoot"/>
-      </p:par>
-    </p:tnLst>
-  </p:timing>
-</p:sld>
-</file>
-
-<file path=ppt/slides/slide2.xml><?xml version="1.0" encoding="utf-8"?>
-<p:sld xmlns:a="http://schemas.openxmlformats.org/drawingml/2006/main" xmlns:r="http://schemas.openxmlformats.org/officeDocument/2006/relationships" xmlns:p="http://schemas.openxmlformats.org/presentationml/2006/main">
-  <p:cSld>
-    <p:spTree>
-      <p:nvGrpSpPr>
-        <p:cNvPr id="1" name=""/>
-        <p:cNvGrpSpPr/>
-        <p:nvPr/>
-      </p:nvGrpSpPr>
-      <p:grpSpPr>
-        <a:xfrm>
-          <a:off x="0" y="0"/>
-          <a:ext cx="0" cy="0"/>
-          <a:chOff x="0" y="0"/>
-          <a:chExt cx="0" cy="0"/>
-        </a:xfrm>
-      </p:grpSpPr>
-      <p:sp>
-        <p:nvSpPr>
-          <p:cNvPr id="2" name="标题 1"/>
-          <p:cNvSpPr>
-            <a:spLocks noGrp="1"/>
-          </p:cNvSpPr>
-          <p:nvPr>
-            <p:ph type="title"/>
-          </p:nvPr>
-        </p:nvSpPr>
-        <p:spPr/>
-        <p:txBody>
-          <a:bodyPr/>
-          <a:lstStyle/>
-          <a:p>
-            <a:endParaRPr lang="zh-CN" altLang="en-US"/>
-          </a:p>
-        </p:txBody>
-      </p:sp>
-      <p:sp>
-        <p:nvSpPr>
-          <p:cNvPr id="3" name="内容占位符 2"/>
-          <p:cNvSpPr>
-            <a:spLocks noGrp="1"/>
-          </p:cNvSpPr>
-          <p:nvPr>
-            <p:ph idx="1"/>
-          </p:nvPr>
-        </p:nvSpPr>
-        <p:spPr/>
-        <p:txBody>
-          <a:bodyPr/>
-          <a:lstStyle/>
-          <a:p>
-            <a:r>
-              <a:rPr lang="zh-CN" altLang="en-US" dirty="0" smtClean="0"/>
-              <a:t>面向过程 </a:t>
-            </a:r>
-            <a:r>
-              <a:rPr lang="en-US" altLang="zh-CN" dirty="0" smtClean="0"/>
-              <a:t>C</a:t>
-            </a:r>
-          </a:p>
-          <a:p>
-            <a:r>
-              <a:rPr lang="zh-CN" altLang="en-US" dirty="0" smtClean="0"/>
-              <a:t>面向对象 </a:t>
-            </a:r>
-            <a:r>
-              <a:rPr lang="en-US" altLang="zh-CN" dirty="0" smtClean="0"/>
-              <a:t>C++/Java/Python/Ruby</a:t>
-            </a:r>
-          </a:p>
-          <a:p>
-            <a:r>
-              <a:rPr lang="zh-CN" altLang="en-US" dirty="0" smtClean="0"/>
-              <a:t>函数语言 </a:t>
-            </a:r>
-            <a:r>
-              <a:rPr lang="en-US" altLang="zh-CN" dirty="0" smtClean="0"/>
-              <a:t>Lisp/Closure/</a:t>
-            </a:r>
-            <a:r>
-              <a:rPr lang="en-US" altLang="zh-CN" dirty="0" err="1" smtClean="0"/>
-              <a:t>Javascript</a:t>
-            </a:r>
-            <a:endParaRPr lang="en-US" altLang="zh-CN" dirty="0" smtClean="0"/>
-          </a:p>
-          <a:p>
-            <a:endParaRPr lang="en-US" altLang="zh-CN" dirty="0" smtClean="0"/>
-          </a:p>
-          <a:p>
-            <a:endParaRPr lang="zh-CN" altLang="en-US" dirty="0"/>
-          </a:p>
-        </p:txBody>
-      </p:sp>
-    </p:spTree>
-  </p:cSld>
-  <p:clrMapOvr>
-    <a:masterClrMapping/>
-  </p:clrMapOvr>
-</p:sld>
-</file>
-
-<file path=ppt/slides/slide3.xml><?xml version="1.0" encoding="utf-8"?>
-<p:sld xmlns:a="http://schemas.openxmlformats.org/drawingml/2006/main" xmlns:r="http://schemas.openxmlformats.org/officeDocument/2006/relationships" xmlns:p="http://schemas.openxmlformats.org/presentationml/2006/main">
-  <p:cSld>
-    <p:spTree>
-      <p:nvGrpSpPr>
-        <p:cNvPr id="1" name=""/>
-        <p:cNvGrpSpPr/>
-        <p:nvPr/>
-      </p:nvGrpSpPr>
-      <p:grpSpPr>
-        <a:xfrm>
-          <a:off x="0" y="0"/>
-          <a:ext cx="0" cy="0"/>
-          <a:chOff x="0" y="0"/>
-          <a:chExt cx="0" cy="0"/>
-        </a:xfrm>
-      </p:grpSpPr>
-      <p:sp>
-        <p:nvSpPr>
-          <p:cNvPr id="2" name="标题 1"/>
-          <p:cNvSpPr>
-            <a:spLocks noGrp="1"/>
-          </p:cNvSpPr>
-          <p:nvPr>
-            <p:ph type="title"/>
-          </p:nvPr>
-        </p:nvSpPr>
-        <p:spPr/>
-        <p:txBody>
-          <a:bodyPr/>
-          <a:lstStyle/>
-          <a:p>
-            <a:r>
-              <a:rPr lang="zh-CN" altLang="en-US" dirty="0" smtClean="0"/>
-              <a:t>回到</a:t>
-            </a:r>
-            <a:r>
-              <a:rPr lang="en-US" altLang="zh-CN" dirty="0" smtClean="0"/>
-              <a:t>C</a:t>
-            </a:r>
-            <a:r>
-              <a:rPr lang="zh-CN" altLang="en-US" dirty="0" smtClean="0"/>
-              <a:t>语言</a:t>
-            </a:r>
-            <a:endParaRPr lang="zh-CN" altLang="en-US" dirty="0"/>
-          </a:p>
-        </p:txBody>
-      </p:sp>
-      <p:sp>
-        <p:nvSpPr>
-          <p:cNvPr id="3" name="内容占位符 2"/>
-          <p:cNvSpPr>
-            <a:spLocks noGrp="1"/>
-          </p:cNvSpPr>
-          <p:nvPr>
-            <p:ph idx="1"/>
-          </p:nvPr>
-        </p:nvSpPr>
-        <p:spPr/>
-        <p:txBody>
-          <a:bodyPr/>
-          <a:lstStyle/>
-          <a:p>
-            <a:r>
-              <a:rPr lang="zh-CN" altLang="en-US" dirty="0" smtClean="0"/>
-              <a:t>面向过程</a:t>
-            </a:r>
-            <a:endParaRPr lang="en-US" altLang="zh-CN" dirty="0" smtClean="0"/>
-          </a:p>
-          <a:p>
-            <a:r>
-              <a:rPr lang="zh-CN" altLang="en-US" dirty="0" smtClean="0"/>
-              <a:t>基于函数的代码复用</a:t>
-            </a:r>
-            <a:endParaRPr lang="en-US" altLang="zh-CN" dirty="0" smtClean="0"/>
-          </a:p>
-          <a:p>
-            <a:r>
-              <a:rPr lang="zh-CN" altLang="en-US" dirty="0" smtClean="0"/>
-              <a:t>基于参数传递</a:t>
-            </a:r>
-            <a:endParaRPr lang="en-US" altLang="zh-CN" dirty="0" smtClean="0"/>
-          </a:p>
-          <a:p>
-            <a:r>
-              <a:rPr lang="zh-CN" altLang="en-US" dirty="0" smtClean="0"/>
-              <a:t>描述的完成一件事的过程、步骤</a:t>
-            </a:r>
-            <a:endParaRPr lang="en-US" altLang="zh-CN" dirty="0" smtClean="0"/>
-          </a:p>
-          <a:p>
-            <a:r>
-              <a:rPr lang="zh-CN" altLang="en-US" dirty="0" smtClean="0"/>
-              <a:t>核心是动词</a:t>
-            </a:r>
-            <a:endParaRPr lang="zh-CN" altLang="en-US" dirty="0"/>
-          </a:p>
-        </p:txBody>
-      </p:sp>
-    </p:spTree>
-  </p:cSld>
-  <p:clrMapOvr>
-    <a:masterClrMapping/>
-  </p:clrMapOvr>
-  <p:timing>
-    <p:tnLst>
-      <p:par>
-        <p:cTn id="1" dur="indefinite" restart="never" nodeType="tmRoot"/>
-      </p:par>
-    </p:tnLst>
-  </p:timing>
-</p:sld>
-</file>
-
-<file path=ppt/slides/slide4.xml><?xml version="1.0" encoding="utf-8"?>
-<p:sld xmlns:a="http://schemas.openxmlformats.org/drawingml/2006/main" xmlns:r="http://schemas.openxmlformats.org/officeDocument/2006/relationships" xmlns:p="http://schemas.openxmlformats.org/presentationml/2006/main">
-  <p:cSld>
-    <p:spTree>
-      <p:nvGrpSpPr>
-        <p:cNvPr id="1" name=""/>
-        <p:cNvGrpSpPr/>
-        <p:nvPr/>
-      </p:nvGrpSpPr>
-      <p:grpSpPr>
-        <a:xfrm>
-          <a:off x="0" y="0"/>
-          <a:ext cx="0" cy="0"/>
-          <a:chOff x="0" y="0"/>
-          <a:chExt cx="0" cy="0"/>
-        </a:xfrm>
-      </p:grpSpPr>
-      <p:sp>
-        <p:nvSpPr>
-          <p:cNvPr id="2" name="标题 1"/>
-          <p:cNvSpPr>
-            <a:spLocks noGrp="1"/>
-          </p:cNvSpPr>
-          <p:nvPr>
-            <p:ph type="title"/>
-          </p:nvPr>
-        </p:nvSpPr>
-        <p:spPr/>
-        <p:txBody>
-          <a:bodyPr/>
-          <a:lstStyle/>
-          <a:p>
-            <a:r>
-              <a:rPr lang="zh-CN" altLang="en-US" dirty="0" smtClean="0"/>
-              <a:t>事例</a:t>
-            </a:r>
-            <a:endParaRPr lang="zh-CN" altLang="en-US" dirty="0"/>
-          </a:p>
-        </p:txBody>
-      </p:sp>
-      <p:sp>
-        <p:nvSpPr>
-          <p:cNvPr id="3" name="内容占位符 2"/>
-          <p:cNvSpPr>
-            <a:spLocks noGrp="1"/>
-          </p:cNvSpPr>
-          <p:nvPr>
-            <p:ph idx="1"/>
-          </p:nvPr>
-        </p:nvSpPr>
-        <p:spPr/>
-        <p:txBody>
-          <a:bodyPr/>
-          <a:lstStyle/>
-          <a:p>
-            <a:r>
-              <a:rPr lang="zh-CN" altLang="en-US" smtClean="0"/>
-              <a:t>实现我的一天</a:t>
-            </a:r>
-            <a:endParaRPr lang="zh-CN" altLang="en-US" dirty="0"/>
-          </a:p>
-        </p:txBody>
-      </p:sp>
-    </p:spTree>
-  </p:cSld>
-  <p:clrMapOvr>
-    <a:masterClrMapping/>
-  </p:clrMapOvr>
-  <p:timing>
-    <p:tnLst>
-      <p:par>
-        <p:cTn id="1" dur="indefinite" restart="never" nodeType="tmRoot"/>
-      </p:par>
-    </p:tnLst>
-  </p:timing>
-</p:sld>
-</file>
-
-<file path=ppt/slides/slide5.xml><?xml version="1.0" encoding="utf-8"?>
-<p:sld xmlns:a="http://schemas.openxmlformats.org/drawingml/2006/main" xmlns:r="http://schemas.openxmlformats.org/officeDocument/2006/relationships" xmlns:p="http://schemas.openxmlformats.org/presentationml/2006/main">
-  <p:cSld>
-    <p:spTree>
-      <p:nvGrpSpPr>
-        <p:cNvPr id="1" name=""/>
-        <p:cNvGrpSpPr/>
-        <p:nvPr/>
-      </p:nvGrpSpPr>
-      <p:grpSpPr>
-        <a:xfrm>
-          <a:off x="0" y="0"/>
-          <a:ext cx="0" cy="0"/>
-          <a:chOff x="0" y="0"/>
-          <a:chExt cx="0" cy="0"/>
-        </a:xfrm>
-      </p:grpSpPr>
-      <p:sp>
-        <p:nvSpPr>
-          <p:cNvPr id="2" name="标题 1"/>
-          <p:cNvSpPr>
-            <a:spLocks noGrp="1"/>
-          </p:cNvSpPr>
-          <p:nvPr>
-            <p:ph type="title"/>
-          </p:nvPr>
-        </p:nvSpPr>
-        <p:spPr/>
-        <p:txBody>
-          <a:bodyPr/>
-          <a:lstStyle/>
-          <a:p>
-            <a:r>
-              <a:rPr lang="zh-CN" altLang="en-US" dirty="0" smtClean="0"/>
-              <a:t>那么如何面向对象？</a:t>
-            </a:r>
-            <a:endParaRPr lang="zh-CN" altLang="en-US" dirty="0"/>
-          </a:p>
-        </p:txBody>
-      </p:sp>
-      <p:sp>
-        <p:nvSpPr>
-          <p:cNvPr id="3" name="内容占位符 2"/>
-          <p:cNvSpPr>
-            <a:spLocks noGrp="1"/>
-          </p:cNvSpPr>
-          <p:nvPr>
-            <p:ph idx="1"/>
-          </p:nvPr>
-        </p:nvSpPr>
-        <p:spPr/>
-        <p:txBody>
-          <a:bodyPr/>
-          <a:lstStyle/>
-          <a:p>
-            <a:r>
-              <a:rPr lang="zh-CN" altLang="en-US" dirty="0" smtClean="0"/>
-              <a:t>面向对象</a:t>
-            </a:r>
-            <a:endParaRPr lang="en-US" altLang="zh-CN" dirty="0" smtClean="0"/>
-          </a:p>
-          <a:p>
-            <a:r>
-              <a:rPr lang="zh-CN" altLang="en-US" dirty="0" smtClean="0"/>
-              <a:t>基于类的继承，多态等的代码复用</a:t>
-            </a:r>
-            <a:endParaRPr lang="en-US" altLang="zh-CN" dirty="0" smtClean="0"/>
-          </a:p>
-          <a:p>
-            <a:r>
-              <a:rPr lang="zh-CN" altLang="en-US" dirty="0" smtClean="0"/>
-              <a:t>描述的是事物的状态变化</a:t>
-            </a:r>
-            <a:endParaRPr lang="en-US" altLang="zh-CN" dirty="0" smtClean="0"/>
-          </a:p>
-          <a:p>
-            <a:r>
-              <a:rPr lang="zh-CN" altLang="en-US" dirty="0" smtClean="0"/>
-              <a:t>核心是名词</a:t>
-            </a:r>
-            <a:endParaRPr lang="zh-CN" altLang="en-US" dirty="0"/>
-          </a:p>
-        </p:txBody>
-      </p:sp>
-    </p:spTree>
-  </p:cSld>
-  <p:clrMapOvr>
-    <a:masterClrMapping/>
-  </p:clrMapOvr>
-  <p:timing>
-    <p:tnLst>
-      <p:par>
-        <p:cTn id="1" dur="indefinite" restart="never" nodeType="tmRoot"/>
-      </p:par>
-    </p:tnLst>
-  </p:timing>
-</p:sld>
-</file>
-
-<file path=ppt/slides/slide6.xml><?xml version="1.0" encoding="utf-8"?>
-<p:sld xmlns:a="http://schemas.openxmlformats.org/drawingml/2006/main" xmlns:r="http://schemas.openxmlformats.org/officeDocument/2006/relationships" xmlns:p="http://schemas.openxmlformats.org/presentationml/2006/main">
-  <p:cSld>
-    <p:spTree>
-      <p:nvGrpSpPr>
-        <p:cNvPr id="1" name=""/>
-        <p:cNvGrpSpPr/>
-        <p:nvPr/>
-      </p:nvGrpSpPr>
-      <p:grpSpPr>
-        <a:xfrm>
-          <a:off x="0" y="0"/>
-          <a:ext cx="0" cy="0"/>
-          <a:chOff x="0" y="0"/>
-          <a:chExt cx="0" cy="0"/>
-        </a:xfrm>
-      </p:grpSpPr>
-      <p:sp>
-        <p:nvSpPr>
-          <p:cNvPr id="2" name="标题 1"/>
-          <p:cNvSpPr>
-            <a:spLocks noGrp="1"/>
-          </p:cNvSpPr>
-          <p:nvPr>
-            <p:ph type="title"/>
-          </p:nvPr>
-        </p:nvSpPr>
-        <p:spPr/>
-        <p:txBody>
-          <a:bodyPr/>
-          <a:lstStyle/>
-          <a:p>
-            <a:r>
-              <a:rPr lang="zh-CN" altLang="en-US" dirty="0" smtClean="0"/>
-              <a:t>事例</a:t>
-            </a:r>
-            <a:endParaRPr lang="zh-CN" altLang="en-US" dirty="0"/>
-          </a:p>
-        </p:txBody>
-      </p:sp>
-      <p:sp>
-        <p:nvSpPr>
-          <p:cNvPr id="3" name="内容占位符 2"/>
-          <p:cNvSpPr>
-            <a:spLocks noGrp="1"/>
-          </p:cNvSpPr>
-          <p:nvPr>
-            <p:ph idx="1"/>
-          </p:nvPr>
-        </p:nvSpPr>
-        <p:spPr/>
-        <p:txBody>
-          <a:bodyPr/>
-          <a:lstStyle/>
-          <a:p>
-            <a:r>
-              <a:rPr lang="zh-CN" altLang="en-US" dirty="0" smtClean="0"/>
-              <a:t>实现我的一天</a:t>
-            </a:r>
-            <a:endParaRPr lang="zh-CN" altLang="en-US" dirty="0"/>
-          </a:p>
-        </p:txBody>
-      </p:sp>
-    </p:spTree>
-  </p:cSld>
-  <p:clrMapOvr>
-    <a:masterClrMapping/>
-  </p:clrMapOvr>
-  <p:timing>
-    <p:tnLst>
-      <p:par>
-        <p:cTn id="1" dur="indefinite" restart="never" nodeType="tmRoot"/>
-      </p:par>
-    </p:tnLst>
-  </p:timing>
-</p:sld>
-</file>
-
-<file path=ppt/slides/slide7.xml><?xml version="1.0" encoding="utf-8"?>
-<p:sld xmlns:a="http://schemas.openxmlformats.org/drawingml/2006/main" xmlns:r="http://schemas.openxmlformats.org/officeDocument/2006/relationships" xmlns:p="http://schemas.openxmlformats.org/presentationml/2006/main">
-  <p:cSld>
-    <p:spTree>
-      <p:nvGrpSpPr>
-        <p:cNvPr id="1" name=""/>
-        <p:cNvGrpSpPr/>
-        <p:nvPr/>
-      </p:nvGrpSpPr>
-      <p:grpSpPr>
-        <a:xfrm>
-          <a:off x="0" y="0"/>
-          <a:ext cx="0" cy="0"/>
-          <a:chOff x="0" y="0"/>
-          <a:chExt cx="0" cy="0"/>
-        </a:xfrm>
-      </p:grpSpPr>
-      <p:sp>
-        <p:nvSpPr>
-          <p:cNvPr id="2" name="标题 1"/>
-          <p:cNvSpPr>
-            <a:spLocks noGrp="1"/>
-          </p:cNvSpPr>
-          <p:nvPr>
-            <p:ph type="title"/>
-          </p:nvPr>
-        </p:nvSpPr>
-        <p:spPr/>
-        <p:txBody>
-          <a:bodyPr/>
-          <a:lstStyle/>
-          <a:p>
-            <a:r>
-              <a:rPr lang="zh-CN" altLang="en-US" dirty="0" smtClean="0"/>
-              <a:t>基</a:t>
-            </a:r>
-            <a:r>
-              <a:rPr lang="zh-CN" altLang="en-US" dirty="0" smtClean="0"/>
-              <a:t>础复习</a:t>
-            </a:r>
-            <a:endParaRPr lang="zh-CN" altLang="en-US" dirty="0"/>
-          </a:p>
-        </p:txBody>
-      </p:sp>
-      <p:sp>
-        <p:nvSpPr>
-          <p:cNvPr id="3" name="内容占位符 2"/>
-          <p:cNvSpPr>
-            <a:spLocks noGrp="1"/>
-          </p:cNvSpPr>
-          <p:nvPr>
-            <p:ph idx="1"/>
-          </p:nvPr>
-        </p:nvSpPr>
-        <p:spPr>
-          <a:xfrm>
-            <a:off x="457200" y="1412776"/>
-            <a:ext cx="8229600" cy="4713387"/>
-          </a:xfrm>
-        </p:spPr>
-        <p:txBody>
-          <a:bodyPr/>
-          <a:lstStyle/>
-          <a:p>
-            <a:r>
-              <a:rPr lang="en-US" altLang="zh-CN" dirty="0" err="1" smtClean="0"/>
-              <a:t>int</a:t>
-            </a:r>
-            <a:r>
-              <a:rPr lang="en-US" altLang="zh-CN" dirty="0" smtClean="0"/>
-              <a:t>, float, String, char, </a:t>
-            </a:r>
-            <a:r>
-              <a:rPr lang="en-US" altLang="zh-CN" dirty="0" err="1" smtClean="0"/>
-              <a:t>boolean</a:t>
-            </a:r>
-            <a:endParaRPr lang="en-US" altLang="zh-CN" dirty="0" smtClean="0"/>
-          </a:p>
-          <a:p>
-            <a:r>
-              <a:rPr lang="en-US" altLang="zh-CN" dirty="0" smtClean="0"/>
-              <a:t>if, for, switch/case, while, do</a:t>
-            </a:r>
-          </a:p>
-          <a:p>
-            <a:r>
-              <a:rPr lang="zh-CN" altLang="en-US" dirty="0" smtClean="0"/>
-              <a:t>函</a:t>
-            </a:r>
-            <a:r>
-              <a:rPr lang="zh-CN" altLang="en-US" dirty="0" smtClean="0"/>
-              <a:t>数</a:t>
-            </a:r>
-            <a:endParaRPr lang="en-US" altLang="zh-CN" dirty="0" smtClean="0"/>
-          </a:p>
-          <a:p>
-            <a:r>
-              <a:rPr lang="zh-CN" altLang="en-US" dirty="0" smtClean="0"/>
-              <a:t>运</a:t>
-            </a:r>
-            <a:r>
-              <a:rPr lang="zh-CN" altLang="en-US" dirty="0" smtClean="0"/>
-              <a:t>算符 </a:t>
-            </a:r>
-            <a:r>
-              <a:rPr lang="en-US" altLang="zh-CN" dirty="0" smtClean="0"/>
-              <a:t>+ - * / </a:t>
-            </a:r>
-            <a:r>
-              <a:rPr lang="en-US" altLang="zh-CN" b="1" dirty="0" smtClean="0"/>
-              <a:t>% </a:t>
-            </a:r>
-          </a:p>
-          <a:p>
-            <a:r>
-              <a:rPr lang="zh-CN" altLang="en-US" dirty="0" smtClean="0"/>
-              <a:t>比</a:t>
-            </a:r>
-            <a:r>
-              <a:rPr lang="zh-CN" altLang="en-US" dirty="0" smtClean="0"/>
-              <a:t>较 </a:t>
-            </a:r>
-            <a:r>
-              <a:rPr lang="en-US" altLang="zh-CN" dirty="0" smtClean="0"/>
-              <a:t>== &gt; &lt; &gt;= &lt;= !=</a:t>
-            </a:r>
-          </a:p>
-          <a:p>
-            <a:r>
-              <a:rPr lang="zh-CN" altLang="en-US" dirty="0" smtClean="0"/>
-              <a:t>布</a:t>
-            </a:r>
-            <a:r>
-              <a:rPr lang="zh-CN" altLang="en-US" dirty="0" smtClean="0"/>
-              <a:t>尔 </a:t>
-            </a:r>
-            <a:r>
-              <a:rPr lang="en-US" altLang="zh-CN" dirty="0" smtClean="0"/>
-              <a:t>true, false, ! || &amp;&amp;</a:t>
-            </a:r>
-          </a:p>
-          <a:p>
-            <a:r>
-              <a:rPr lang="zh-CN" altLang="en-US" dirty="0" smtClean="0"/>
-              <a:t>语</a:t>
-            </a:r>
-            <a:r>
-              <a:rPr lang="zh-CN" altLang="en-US" dirty="0" smtClean="0"/>
-              <a:t>法</a:t>
-            </a:r>
-            <a:r>
-              <a:rPr lang="en-US" altLang="zh-CN" dirty="0" smtClean="0"/>
-              <a:t>(; : {})</a:t>
-            </a:r>
-            <a:endParaRPr lang="zh-CN" altLang="en-US" dirty="0" smtClean="0"/>
-          </a:p>
-          <a:p>
-            <a:pPr lvl="1">
-              <a:buNone/>
-            </a:pPr>
-            <a:endParaRPr lang="en-US" altLang="zh-CN" dirty="0" smtClean="0"/>
-          </a:p>
-        </p:txBody>
-      </p:sp>
-    </p:spTree>
-  </p:cSld>
-  <p:clrMapOvr>
-    <a:masterClrMapping/>
-  </p:clrMapOvr>
-  <p:timing>
-    <p:tnLst>
-      <p:par>
-        <p:cTn id="1" dur="indefinite" restart="never" nodeType="tmRoot"/>
-      </p:par>
-    </p:tnLst>
-  </p:timing>
-</p:sld>
-</file>
-
-<file path=ppt/slides/slide8.xml><?xml version="1.0" encoding="utf-8"?>
-<p:sld xmlns:a="http://schemas.openxmlformats.org/drawingml/2006/main" xmlns:r="http://schemas.openxmlformats.org/officeDocument/2006/relationships" xmlns:p="http://schemas.openxmlformats.org/presentationml/2006/main">
-  <p:cSld>
-    <p:spTree>
-      <p:nvGrpSpPr>
-        <p:cNvPr id="1" name=""/>
-        <p:cNvGrpSpPr/>
-        <p:nvPr/>
-      </p:nvGrpSpPr>
-      <p:grpSpPr>
-        <a:xfrm>
-          <a:off x="0" y="0"/>
-          <a:ext cx="0" cy="0"/>
-          <a:chOff x="0" y="0"/>
-          <a:chExt cx="0" cy="0"/>
-        </a:xfrm>
-      </p:grpSpPr>
-      <p:sp>
-        <p:nvSpPr>
-          <p:cNvPr id="2" name="标题 1"/>
-          <p:cNvSpPr>
-            <a:spLocks noGrp="1"/>
-          </p:cNvSpPr>
-          <p:nvPr>
-            <p:ph type="title"/>
-          </p:nvPr>
-        </p:nvSpPr>
-        <p:spPr/>
-        <p:txBody>
-          <a:bodyPr/>
-          <a:lstStyle/>
-          <a:p>
-            <a:r>
-              <a:rPr lang="zh-CN" altLang="en-US" dirty="0" smtClean="0"/>
-              <a:t>练习一</a:t>
-            </a:r>
-            <a:endParaRPr lang="zh-CN" altLang="en-US" dirty="0"/>
-          </a:p>
-        </p:txBody>
-      </p:sp>
-      <p:sp>
-        <p:nvSpPr>
-          <p:cNvPr id="3" name="内容占位符 2"/>
-          <p:cNvSpPr>
-            <a:spLocks noGrp="1"/>
-          </p:cNvSpPr>
-          <p:nvPr>
-            <p:ph idx="1"/>
-          </p:nvPr>
-        </p:nvSpPr>
-        <p:spPr/>
-        <p:txBody>
-          <a:bodyPr/>
-          <a:lstStyle/>
-          <a:p>
-            <a:r>
-              <a:rPr lang="zh-CN" altLang="en-US" dirty="0" smtClean="0"/>
-              <a:t>定义：输出</a:t>
-            </a:r>
-            <a:r>
-              <a:rPr lang="en-US" altLang="zh-CN" dirty="0" smtClean="0"/>
-              <a:t>1-N</a:t>
-            </a:r>
-            <a:r>
-              <a:rPr lang="zh-CN" altLang="en-US" dirty="0" smtClean="0"/>
-              <a:t>中可以被</a:t>
-            </a:r>
-            <a:r>
-              <a:rPr lang="en-US" altLang="zh-CN" dirty="0" smtClean="0"/>
-              <a:t>2</a:t>
-            </a:r>
-            <a:r>
-              <a:rPr lang="zh-CN" altLang="en-US" dirty="0" smtClean="0"/>
-              <a:t>整</a:t>
-            </a:r>
-            <a:r>
-              <a:rPr lang="zh-CN" altLang="en-US" dirty="0" smtClean="0"/>
-              <a:t>除的数</a:t>
-            </a:r>
-            <a:endParaRPr lang="en-US" altLang="zh-CN" dirty="0" smtClean="0"/>
-          </a:p>
-          <a:p>
-            <a:r>
-              <a:rPr lang="zh-CN" altLang="en-US" dirty="0" smtClean="0"/>
-              <a:t>输</a:t>
-            </a:r>
-            <a:r>
-              <a:rPr lang="zh-CN" altLang="en-US" dirty="0" smtClean="0"/>
-              <a:t>入：</a:t>
-            </a:r>
-            <a:r>
-              <a:rPr lang="en-US" altLang="zh-CN" dirty="0" smtClean="0"/>
-              <a:t>N</a:t>
-            </a:r>
-          </a:p>
-          <a:p>
-            <a:r>
-              <a:rPr lang="zh-CN" altLang="en-US" dirty="0" smtClean="0"/>
-              <a:t>输</a:t>
-            </a:r>
-            <a:r>
-              <a:rPr lang="zh-CN" altLang="en-US" dirty="0" smtClean="0"/>
-              <a:t>出：</a:t>
-            </a:r>
-            <a:r>
-              <a:rPr lang="zh-CN" altLang="en-US" dirty="0" smtClean="0"/>
-              <a:t>输出</a:t>
-            </a:r>
-            <a:r>
-              <a:rPr lang="en-US" altLang="zh-CN" dirty="0" smtClean="0"/>
-              <a:t>1-N</a:t>
-            </a:r>
-            <a:r>
-              <a:rPr lang="zh-CN" altLang="en-US" dirty="0" smtClean="0"/>
-              <a:t>中可以被</a:t>
-            </a:r>
-            <a:r>
-              <a:rPr lang="en-US" altLang="zh-CN" dirty="0" smtClean="0"/>
-              <a:t>2</a:t>
-            </a:r>
-            <a:r>
-              <a:rPr lang="zh-CN" altLang="en-US" dirty="0" smtClean="0"/>
-              <a:t>整除的数</a:t>
-            </a:r>
-            <a:endParaRPr lang="zh-CN" altLang="en-US" dirty="0"/>
-          </a:p>
-        </p:txBody>
-      </p:sp>
-    </p:spTree>
-  </p:cSld>
-  <p:clrMapOvr>
-    <a:masterClrMapping/>
-  </p:clrMapOvr>
-</p:sld>
-</file>
-
-<file path=ppt/slides/slide9.xml><?xml version="1.0" encoding="utf-8"?>
-<p:sld xmlns:a="http://schemas.openxmlformats.org/drawingml/2006/main" xmlns:r="http://schemas.openxmlformats.org/officeDocument/2006/relationships" xmlns:p="http://schemas.openxmlformats.org/presentationml/2006/main">
-  <p:cSld>
-    <p:spTree>
-      <p:nvGrpSpPr>
-        <p:cNvPr id="1" name=""/>
-        <p:cNvGrpSpPr/>
-        <p:nvPr/>
-      </p:nvGrpSpPr>
-      <p:grpSpPr>
-        <a:xfrm>
-          <a:off x="0" y="0"/>
-          <a:ext cx="0" cy="0"/>
-          <a:chOff x="0" y="0"/>
-          <a:chExt cx="0" cy="0"/>
-        </a:xfrm>
-      </p:grpSpPr>
-      <p:sp>
-        <p:nvSpPr>
-          <p:cNvPr id="2" name="标题 1"/>
-          <p:cNvSpPr>
-            <a:spLocks noGrp="1"/>
-          </p:cNvSpPr>
-          <p:nvPr>
-            <p:ph type="title"/>
-          </p:nvPr>
-        </p:nvSpPr>
-        <p:spPr/>
-        <p:txBody>
-          <a:bodyPr/>
-          <a:lstStyle/>
-          <a:p>
-            <a:r>
-              <a:rPr lang="zh-CN" altLang="en-US" dirty="0" smtClean="0"/>
-              <a:t>练</a:t>
-            </a:r>
-            <a:r>
-              <a:rPr lang="zh-CN" altLang="en-US" dirty="0" smtClean="0"/>
-              <a:t>习二</a:t>
-            </a:r>
-            <a:endParaRPr lang="zh-CN" altLang="en-US" dirty="0"/>
-          </a:p>
-        </p:txBody>
-      </p:sp>
-      <p:sp>
-        <p:nvSpPr>
-          <p:cNvPr id="3" name="内容占位符 2"/>
-          <p:cNvSpPr>
-            <a:spLocks noGrp="1"/>
-          </p:cNvSpPr>
-          <p:nvPr>
-            <p:ph idx="1"/>
-          </p:nvPr>
-        </p:nvSpPr>
-        <p:spPr/>
-        <p:txBody>
-          <a:bodyPr/>
-          <a:lstStyle/>
-          <a:p>
-            <a:r>
-              <a:rPr lang="zh-CN" altLang="en-US" dirty="0" smtClean="0"/>
-              <a:t>定义：输出</a:t>
-            </a:r>
-            <a:r>
-              <a:rPr lang="zh-CN" altLang="en-US" dirty="0" smtClean="0"/>
-              <a:t>九九乘法</a:t>
-            </a:r>
-            <a:r>
-              <a:rPr lang="zh-CN" altLang="en-US" dirty="0" smtClean="0"/>
-              <a:t>表</a:t>
-            </a:r>
-            <a:endParaRPr lang="en-US" altLang="zh-CN" dirty="0" smtClean="0"/>
-          </a:p>
-          <a:p>
-            <a:r>
-              <a:rPr lang="zh-CN" altLang="en-US" dirty="0" smtClean="0"/>
-              <a:t>输</a:t>
-            </a:r>
-            <a:r>
-              <a:rPr lang="zh-CN" altLang="en-US" dirty="0" smtClean="0"/>
-              <a:t>入：无</a:t>
-            </a:r>
-            <a:endParaRPr lang="en-US" altLang="zh-CN" dirty="0" smtClean="0"/>
-          </a:p>
-          <a:p>
-            <a:r>
-              <a:rPr lang="zh-CN" altLang="en-US" dirty="0" smtClean="0"/>
-              <a:t>输</a:t>
-            </a:r>
-            <a:r>
-              <a:rPr lang="zh-CN" altLang="en-US" dirty="0" smtClean="0"/>
-              <a:t>出：九九乘法表，即</a:t>
+              <a:t>输出：九九乘法表，即</a:t>
             </a:r>
             <a:endParaRPr lang="en-US" altLang="zh-CN" dirty="0" smtClean="0"/>
           </a:p>
@@ -4143,6 +3244,994 @@
       </p:par>
     </p:tnLst>
   </p:timing>
+</p:sld>
+</file>
+
+<file path=ppt/slides/slide11.xml><?xml version="1.0" encoding="utf-8"?>
+<p:sld xmlns:a="http://schemas.openxmlformats.org/drawingml/2006/main" xmlns:r="http://schemas.openxmlformats.org/officeDocument/2006/relationships" xmlns:p="http://schemas.openxmlformats.org/presentationml/2006/main">
+  <p:cSld>
+    <p:spTree>
+      <p:nvGrpSpPr>
+        <p:cNvPr id="1" name=""/>
+        <p:cNvGrpSpPr/>
+        <p:nvPr/>
+      </p:nvGrpSpPr>
+      <p:grpSpPr>
+        <a:xfrm>
+          <a:off x="0" y="0"/>
+          <a:ext cx="0" cy="0"/>
+          <a:chOff x="0" y="0"/>
+          <a:chExt cx="0" cy="0"/>
+        </a:xfrm>
+      </p:grpSpPr>
+      <p:sp>
+        <p:nvSpPr>
+          <p:cNvPr id="2" name="标题 1"/>
+          <p:cNvSpPr>
+            <a:spLocks noGrp="1"/>
+          </p:cNvSpPr>
+          <p:nvPr>
+            <p:ph type="title"/>
+          </p:nvPr>
+        </p:nvSpPr>
+        <p:spPr/>
+        <p:txBody>
+          <a:bodyPr/>
+          <a:lstStyle/>
+          <a:p>
+            <a:r>
+              <a:rPr lang="zh-CN" altLang="en-US" dirty="0" smtClean="0"/>
+              <a:t>另外的例子</a:t>
+            </a:r>
+            <a:endParaRPr lang="zh-CN" altLang="en-US" dirty="0"/>
+          </a:p>
+        </p:txBody>
+      </p:sp>
+      <p:sp>
+        <p:nvSpPr>
+          <p:cNvPr id="3" name="内容占位符 2"/>
+          <p:cNvSpPr>
+            <a:spLocks noGrp="1"/>
+          </p:cNvSpPr>
+          <p:nvPr>
+            <p:ph idx="1"/>
+          </p:nvPr>
+        </p:nvSpPr>
+        <p:spPr/>
+        <p:txBody>
+          <a:bodyPr/>
+          <a:lstStyle/>
+          <a:p>
+            <a:r>
+              <a:rPr lang="zh-CN" altLang="en-US" dirty="0" smtClean="0"/>
+              <a:t>形状</a:t>
+            </a:r>
+            <a:endParaRPr lang="en-US" altLang="zh-CN" dirty="0" smtClean="0"/>
+          </a:p>
+          <a:p>
+            <a:r>
+              <a:rPr lang="zh-CN" altLang="en-US" dirty="0" smtClean="0"/>
+              <a:t>长方形</a:t>
+            </a:r>
+            <a:endParaRPr lang="en-US" altLang="zh-CN" dirty="0" smtClean="0"/>
+          </a:p>
+          <a:p>
+            <a:r>
+              <a:rPr lang="zh-CN" altLang="en-US" dirty="0" smtClean="0"/>
+              <a:t>正方形</a:t>
+            </a:r>
+            <a:endParaRPr lang="en-US" altLang="zh-CN" dirty="0" smtClean="0"/>
+          </a:p>
+          <a:p>
+            <a:endParaRPr lang="zh-CN" altLang="en-US" dirty="0"/>
+          </a:p>
+        </p:txBody>
+      </p:sp>
+    </p:spTree>
+  </p:cSld>
+  <p:clrMapOvr>
+    <a:masterClrMapping/>
+  </p:clrMapOvr>
+  <p:timing>
+    <p:tnLst>
+      <p:par>
+        <p:cTn id="1" dur="indefinite" restart="never" nodeType="tmRoot"/>
+      </p:par>
+    </p:tnLst>
+  </p:timing>
+</p:sld>
+</file>
+
+<file path=ppt/slides/slide2.xml><?xml version="1.0" encoding="utf-8"?>
+<p:sld xmlns:a="http://schemas.openxmlformats.org/drawingml/2006/main" xmlns:r="http://schemas.openxmlformats.org/officeDocument/2006/relationships" xmlns:p="http://schemas.openxmlformats.org/presentationml/2006/main">
+  <p:cSld>
+    <p:spTree>
+      <p:nvGrpSpPr>
+        <p:cNvPr id="1" name=""/>
+        <p:cNvGrpSpPr/>
+        <p:nvPr/>
+      </p:nvGrpSpPr>
+      <p:grpSpPr>
+        <a:xfrm>
+          <a:off x="0" y="0"/>
+          <a:ext cx="0" cy="0"/>
+          <a:chOff x="0" y="0"/>
+          <a:chExt cx="0" cy="0"/>
+        </a:xfrm>
+      </p:grpSpPr>
+      <p:sp>
+        <p:nvSpPr>
+          <p:cNvPr id="2" name="标题 1"/>
+          <p:cNvSpPr>
+            <a:spLocks noGrp="1"/>
+          </p:cNvSpPr>
+          <p:nvPr>
+            <p:ph type="title"/>
+          </p:nvPr>
+        </p:nvSpPr>
+        <p:spPr/>
+        <p:txBody>
+          <a:bodyPr/>
+          <a:lstStyle/>
+          <a:p>
+            <a:endParaRPr lang="zh-CN" altLang="en-US"/>
+          </a:p>
+        </p:txBody>
+      </p:sp>
+      <p:sp>
+        <p:nvSpPr>
+          <p:cNvPr id="3" name="内容占位符 2"/>
+          <p:cNvSpPr>
+            <a:spLocks noGrp="1"/>
+          </p:cNvSpPr>
+          <p:nvPr>
+            <p:ph idx="1"/>
+          </p:nvPr>
+        </p:nvSpPr>
+        <p:spPr/>
+        <p:txBody>
+          <a:bodyPr/>
+          <a:lstStyle/>
+          <a:p>
+            <a:r>
+              <a:rPr lang="zh-CN" altLang="en-US" dirty="0" smtClean="0"/>
+              <a:t>面向过程 </a:t>
+            </a:r>
+            <a:r>
+              <a:rPr lang="en-US" altLang="zh-CN" dirty="0" smtClean="0"/>
+              <a:t>C</a:t>
+            </a:r>
+          </a:p>
+          <a:p>
+            <a:r>
+              <a:rPr lang="zh-CN" altLang="en-US" dirty="0" smtClean="0"/>
+              <a:t>面向对象 </a:t>
+            </a:r>
+            <a:r>
+              <a:rPr lang="en-US" altLang="zh-CN" dirty="0" smtClean="0"/>
+              <a:t>C++/Java/Python/Ruby</a:t>
+            </a:r>
+          </a:p>
+          <a:p>
+            <a:r>
+              <a:rPr lang="zh-CN" altLang="en-US" dirty="0" smtClean="0"/>
+              <a:t>函数语言 </a:t>
+            </a:r>
+            <a:r>
+              <a:rPr lang="en-US" altLang="zh-CN" dirty="0" smtClean="0"/>
+              <a:t>Lisp/Closure/</a:t>
+            </a:r>
+            <a:r>
+              <a:rPr lang="en-US" altLang="zh-CN" dirty="0" err="1" smtClean="0"/>
+              <a:t>Javascript</a:t>
+            </a:r>
+            <a:endParaRPr lang="en-US" altLang="zh-CN" dirty="0" smtClean="0"/>
+          </a:p>
+          <a:p>
+            <a:endParaRPr lang="en-US" altLang="zh-CN" dirty="0" smtClean="0"/>
+          </a:p>
+          <a:p>
+            <a:endParaRPr lang="zh-CN" altLang="en-US" dirty="0"/>
+          </a:p>
+        </p:txBody>
+      </p:sp>
+    </p:spTree>
+  </p:cSld>
+  <p:clrMapOvr>
+    <a:masterClrMapping/>
+  </p:clrMapOvr>
+</p:sld>
+</file>
+
+<file path=ppt/slides/slide3.xml><?xml version="1.0" encoding="utf-8"?>
+<p:sld xmlns:a="http://schemas.openxmlformats.org/drawingml/2006/main" xmlns:r="http://schemas.openxmlformats.org/officeDocument/2006/relationships" xmlns:p="http://schemas.openxmlformats.org/presentationml/2006/main">
+  <p:cSld>
+    <p:spTree>
+      <p:nvGrpSpPr>
+        <p:cNvPr id="1" name=""/>
+        <p:cNvGrpSpPr/>
+        <p:nvPr/>
+      </p:nvGrpSpPr>
+      <p:grpSpPr>
+        <a:xfrm>
+          <a:off x="0" y="0"/>
+          <a:ext cx="0" cy="0"/>
+          <a:chOff x="0" y="0"/>
+          <a:chExt cx="0" cy="0"/>
+        </a:xfrm>
+      </p:grpSpPr>
+      <p:sp>
+        <p:nvSpPr>
+          <p:cNvPr id="2" name="标题 1"/>
+          <p:cNvSpPr>
+            <a:spLocks noGrp="1"/>
+          </p:cNvSpPr>
+          <p:nvPr>
+            <p:ph type="title"/>
+          </p:nvPr>
+        </p:nvSpPr>
+        <p:spPr/>
+        <p:txBody>
+          <a:bodyPr/>
+          <a:lstStyle/>
+          <a:p>
+            <a:r>
+              <a:rPr lang="zh-CN" altLang="en-US" dirty="0" smtClean="0"/>
+              <a:t>回到</a:t>
+            </a:r>
+            <a:r>
+              <a:rPr lang="en-US" altLang="zh-CN" dirty="0" smtClean="0"/>
+              <a:t>C</a:t>
+            </a:r>
+            <a:r>
+              <a:rPr lang="zh-CN" altLang="en-US" dirty="0" smtClean="0"/>
+              <a:t>语言</a:t>
+            </a:r>
+            <a:endParaRPr lang="zh-CN" altLang="en-US" dirty="0"/>
+          </a:p>
+        </p:txBody>
+      </p:sp>
+      <p:sp>
+        <p:nvSpPr>
+          <p:cNvPr id="3" name="内容占位符 2"/>
+          <p:cNvSpPr>
+            <a:spLocks noGrp="1"/>
+          </p:cNvSpPr>
+          <p:nvPr>
+            <p:ph idx="1"/>
+          </p:nvPr>
+        </p:nvSpPr>
+        <p:spPr/>
+        <p:txBody>
+          <a:bodyPr/>
+          <a:lstStyle/>
+          <a:p>
+            <a:r>
+              <a:rPr lang="zh-CN" altLang="en-US" dirty="0" smtClean="0"/>
+              <a:t>面向过程</a:t>
+            </a:r>
+            <a:endParaRPr lang="en-US" altLang="zh-CN" dirty="0" smtClean="0"/>
+          </a:p>
+          <a:p>
+            <a:r>
+              <a:rPr lang="zh-CN" altLang="en-US" dirty="0" smtClean="0"/>
+              <a:t>基于函数的代码复用</a:t>
+            </a:r>
+            <a:endParaRPr lang="en-US" altLang="zh-CN" dirty="0" smtClean="0"/>
+          </a:p>
+          <a:p>
+            <a:r>
+              <a:rPr lang="zh-CN" altLang="en-US" dirty="0" smtClean="0"/>
+              <a:t>基于参数传递</a:t>
+            </a:r>
+            <a:endParaRPr lang="en-US" altLang="zh-CN" dirty="0" smtClean="0"/>
+          </a:p>
+          <a:p>
+            <a:r>
+              <a:rPr lang="zh-CN" altLang="en-US" dirty="0" smtClean="0"/>
+              <a:t>描述的完成一件事的过程、步骤</a:t>
+            </a:r>
+            <a:endParaRPr lang="en-US" altLang="zh-CN" dirty="0" smtClean="0"/>
+          </a:p>
+          <a:p>
+            <a:r>
+              <a:rPr lang="zh-CN" altLang="en-US" dirty="0" smtClean="0"/>
+              <a:t>核心是动词</a:t>
+            </a:r>
+            <a:endParaRPr lang="zh-CN" altLang="en-US" dirty="0"/>
+          </a:p>
+        </p:txBody>
+      </p:sp>
+    </p:spTree>
+  </p:cSld>
+  <p:clrMapOvr>
+    <a:masterClrMapping/>
+  </p:clrMapOvr>
+  <p:timing>
+    <p:tnLst>
+      <p:par>
+        <p:cTn id="1" dur="indefinite" restart="never" nodeType="tmRoot"/>
+      </p:par>
+    </p:tnLst>
+  </p:timing>
+</p:sld>
+</file>
+
+<file path=ppt/slides/slide4.xml><?xml version="1.0" encoding="utf-8"?>
+<p:sld xmlns:a="http://schemas.openxmlformats.org/drawingml/2006/main" xmlns:r="http://schemas.openxmlformats.org/officeDocument/2006/relationships" xmlns:p="http://schemas.openxmlformats.org/presentationml/2006/main">
+  <p:cSld>
+    <p:spTree>
+      <p:nvGrpSpPr>
+        <p:cNvPr id="1" name=""/>
+        <p:cNvGrpSpPr/>
+        <p:nvPr/>
+      </p:nvGrpSpPr>
+      <p:grpSpPr>
+        <a:xfrm>
+          <a:off x="0" y="0"/>
+          <a:ext cx="0" cy="0"/>
+          <a:chOff x="0" y="0"/>
+          <a:chExt cx="0" cy="0"/>
+        </a:xfrm>
+      </p:grpSpPr>
+      <p:sp>
+        <p:nvSpPr>
+          <p:cNvPr id="2" name="标题 1"/>
+          <p:cNvSpPr>
+            <a:spLocks noGrp="1"/>
+          </p:cNvSpPr>
+          <p:nvPr>
+            <p:ph type="title"/>
+          </p:nvPr>
+        </p:nvSpPr>
+        <p:spPr/>
+        <p:txBody>
+          <a:bodyPr/>
+          <a:lstStyle/>
+          <a:p>
+            <a:r>
+              <a:rPr lang="zh-CN" altLang="en-US" dirty="0" smtClean="0"/>
+              <a:t>事例</a:t>
+            </a:r>
+            <a:endParaRPr lang="zh-CN" altLang="en-US" dirty="0"/>
+          </a:p>
+        </p:txBody>
+      </p:sp>
+      <p:sp>
+        <p:nvSpPr>
+          <p:cNvPr id="3" name="内容占位符 2"/>
+          <p:cNvSpPr>
+            <a:spLocks noGrp="1"/>
+          </p:cNvSpPr>
+          <p:nvPr>
+            <p:ph idx="1"/>
+          </p:nvPr>
+        </p:nvSpPr>
+        <p:spPr/>
+        <p:txBody>
+          <a:bodyPr/>
+          <a:lstStyle/>
+          <a:p>
+            <a:r>
+              <a:rPr lang="zh-CN" altLang="en-US" smtClean="0"/>
+              <a:t>实现我的一天</a:t>
+            </a:r>
+            <a:endParaRPr lang="zh-CN" altLang="en-US" dirty="0"/>
+          </a:p>
+        </p:txBody>
+      </p:sp>
+    </p:spTree>
+  </p:cSld>
+  <p:clrMapOvr>
+    <a:masterClrMapping/>
+  </p:clrMapOvr>
+  <p:timing>
+    <p:tnLst>
+      <p:par>
+        <p:cTn id="1" dur="indefinite" restart="never" nodeType="tmRoot"/>
+      </p:par>
+    </p:tnLst>
+  </p:timing>
+</p:sld>
+</file>
+
+<file path=ppt/slides/slide5.xml><?xml version="1.0" encoding="utf-8"?>
+<p:sld xmlns:a="http://schemas.openxmlformats.org/drawingml/2006/main" xmlns:r="http://schemas.openxmlformats.org/officeDocument/2006/relationships" xmlns:p="http://schemas.openxmlformats.org/presentationml/2006/main">
+  <p:cSld>
+    <p:spTree>
+      <p:nvGrpSpPr>
+        <p:cNvPr id="1" name=""/>
+        <p:cNvGrpSpPr/>
+        <p:nvPr/>
+      </p:nvGrpSpPr>
+      <p:grpSpPr>
+        <a:xfrm>
+          <a:off x="0" y="0"/>
+          <a:ext cx="0" cy="0"/>
+          <a:chOff x="0" y="0"/>
+          <a:chExt cx="0" cy="0"/>
+        </a:xfrm>
+      </p:grpSpPr>
+      <p:sp>
+        <p:nvSpPr>
+          <p:cNvPr id="2" name="标题 1"/>
+          <p:cNvSpPr>
+            <a:spLocks noGrp="1"/>
+          </p:cNvSpPr>
+          <p:nvPr>
+            <p:ph type="title"/>
+          </p:nvPr>
+        </p:nvSpPr>
+        <p:spPr/>
+        <p:txBody>
+          <a:bodyPr/>
+          <a:lstStyle/>
+          <a:p>
+            <a:r>
+              <a:rPr lang="zh-CN" altLang="en-US" dirty="0" smtClean="0"/>
+              <a:t>那么如何面向对象？</a:t>
+            </a:r>
+            <a:endParaRPr lang="zh-CN" altLang="en-US" dirty="0"/>
+          </a:p>
+        </p:txBody>
+      </p:sp>
+      <p:sp>
+        <p:nvSpPr>
+          <p:cNvPr id="3" name="内容占位符 2"/>
+          <p:cNvSpPr>
+            <a:spLocks noGrp="1"/>
+          </p:cNvSpPr>
+          <p:nvPr>
+            <p:ph idx="1"/>
+          </p:nvPr>
+        </p:nvSpPr>
+        <p:spPr/>
+        <p:txBody>
+          <a:bodyPr/>
+          <a:lstStyle/>
+          <a:p>
+            <a:r>
+              <a:rPr lang="zh-CN" altLang="en-US" dirty="0" smtClean="0"/>
+              <a:t>面向对象</a:t>
+            </a:r>
+            <a:endParaRPr lang="en-US" altLang="zh-CN" dirty="0" smtClean="0"/>
+          </a:p>
+          <a:p>
+            <a:r>
+              <a:rPr lang="zh-CN" altLang="en-US" dirty="0" smtClean="0"/>
+              <a:t>基于类的继承，多态等的代码复用</a:t>
+            </a:r>
+            <a:endParaRPr lang="en-US" altLang="zh-CN" dirty="0" smtClean="0"/>
+          </a:p>
+          <a:p>
+            <a:r>
+              <a:rPr lang="zh-CN" altLang="en-US" dirty="0" smtClean="0"/>
+              <a:t>描述的是事物的状态变化</a:t>
+            </a:r>
+            <a:endParaRPr lang="en-US" altLang="zh-CN" dirty="0" smtClean="0"/>
+          </a:p>
+          <a:p>
+            <a:r>
+              <a:rPr lang="zh-CN" altLang="en-US" dirty="0" smtClean="0"/>
+              <a:t>核心是名词</a:t>
+            </a:r>
+            <a:endParaRPr lang="zh-CN" altLang="en-US" dirty="0"/>
+          </a:p>
+        </p:txBody>
+      </p:sp>
+    </p:spTree>
+  </p:cSld>
+  <p:clrMapOvr>
+    <a:masterClrMapping/>
+  </p:clrMapOvr>
+  <p:timing>
+    <p:tnLst>
+      <p:par>
+        <p:cTn id="1" dur="indefinite" restart="never" nodeType="tmRoot"/>
+      </p:par>
+    </p:tnLst>
+  </p:timing>
+</p:sld>
+</file>
+
+<file path=ppt/slides/slide6.xml><?xml version="1.0" encoding="utf-8"?>
+<p:sld xmlns:a="http://schemas.openxmlformats.org/drawingml/2006/main" xmlns:r="http://schemas.openxmlformats.org/officeDocument/2006/relationships" xmlns:p="http://schemas.openxmlformats.org/presentationml/2006/main">
+  <p:cSld>
+    <p:spTree>
+      <p:nvGrpSpPr>
+        <p:cNvPr id="1" name=""/>
+        <p:cNvGrpSpPr/>
+        <p:nvPr/>
+      </p:nvGrpSpPr>
+      <p:grpSpPr>
+        <a:xfrm>
+          <a:off x="0" y="0"/>
+          <a:ext cx="0" cy="0"/>
+          <a:chOff x="0" y="0"/>
+          <a:chExt cx="0" cy="0"/>
+        </a:xfrm>
+      </p:grpSpPr>
+      <p:sp>
+        <p:nvSpPr>
+          <p:cNvPr id="2" name="标题 1"/>
+          <p:cNvSpPr>
+            <a:spLocks noGrp="1"/>
+          </p:cNvSpPr>
+          <p:nvPr>
+            <p:ph type="title"/>
+          </p:nvPr>
+        </p:nvSpPr>
+        <p:spPr/>
+        <p:txBody>
+          <a:bodyPr/>
+          <a:lstStyle/>
+          <a:p>
+            <a:r>
+              <a:rPr lang="zh-CN" altLang="en-US" dirty="0" smtClean="0"/>
+              <a:t>事例</a:t>
+            </a:r>
+            <a:endParaRPr lang="zh-CN" altLang="en-US" dirty="0"/>
+          </a:p>
+        </p:txBody>
+      </p:sp>
+      <p:sp>
+        <p:nvSpPr>
+          <p:cNvPr id="3" name="内容占位符 2"/>
+          <p:cNvSpPr>
+            <a:spLocks noGrp="1"/>
+          </p:cNvSpPr>
+          <p:nvPr>
+            <p:ph idx="1"/>
+          </p:nvPr>
+        </p:nvSpPr>
+        <p:spPr/>
+        <p:txBody>
+          <a:bodyPr/>
+          <a:lstStyle/>
+          <a:p>
+            <a:r>
+              <a:rPr lang="zh-CN" altLang="en-US" dirty="0" smtClean="0"/>
+              <a:t>实现我的一天</a:t>
+            </a:r>
+            <a:endParaRPr lang="zh-CN" altLang="en-US" dirty="0"/>
+          </a:p>
+        </p:txBody>
+      </p:sp>
+    </p:spTree>
+  </p:cSld>
+  <p:clrMapOvr>
+    <a:masterClrMapping/>
+  </p:clrMapOvr>
+  <p:timing>
+    <p:tnLst>
+      <p:par>
+        <p:cTn id="1" dur="indefinite" restart="never" nodeType="tmRoot"/>
+      </p:par>
+    </p:tnLst>
+  </p:timing>
+</p:sld>
+</file>
+
+<file path=ppt/slides/slide7.xml><?xml version="1.0" encoding="utf-8"?>
+<p:sld xmlns:a="http://schemas.openxmlformats.org/drawingml/2006/main" xmlns:r="http://schemas.openxmlformats.org/officeDocument/2006/relationships" xmlns:p="http://schemas.openxmlformats.org/presentationml/2006/main">
+  <p:cSld>
+    <p:spTree>
+      <p:nvGrpSpPr>
+        <p:cNvPr id="1" name=""/>
+        <p:cNvGrpSpPr/>
+        <p:nvPr/>
+      </p:nvGrpSpPr>
+      <p:grpSpPr>
+        <a:xfrm>
+          <a:off x="0" y="0"/>
+          <a:ext cx="0" cy="0"/>
+          <a:chOff x="0" y="0"/>
+          <a:chExt cx="0" cy="0"/>
+        </a:xfrm>
+      </p:grpSpPr>
+      <p:sp>
+        <p:nvSpPr>
+          <p:cNvPr id="2" name="标题 1"/>
+          <p:cNvSpPr>
+            <a:spLocks noGrp="1"/>
+          </p:cNvSpPr>
+          <p:nvPr>
+            <p:ph type="title"/>
+          </p:nvPr>
+        </p:nvSpPr>
+        <p:spPr/>
+        <p:txBody>
+          <a:bodyPr/>
+          <a:lstStyle/>
+          <a:p>
+            <a:r>
+              <a:rPr lang="zh-CN" altLang="en-US" dirty="0" smtClean="0"/>
+              <a:t>基础复习</a:t>
+            </a:r>
+            <a:endParaRPr lang="zh-CN" altLang="en-US" dirty="0"/>
+          </a:p>
+        </p:txBody>
+      </p:sp>
+      <p:sp>
+        <p:nvSpPr>
+          <p:cNvPr id="3" name="内容占位符 2"/>
+          <p:cNvSpPr>
+            <a:spLocks noGrp="1"/>
+          </p:cNvSpPr>
+          <p:nvPr>
+            <p:ph idx="1"/>
+          </p:nvPr>
+        </p:nvSpPr>
+        <p:spPr>
+          <a:xfrm>
+            <a:off x="457200" y="1412776"/>
+            <a:ext cx="8229600" cy="4713387"/>
+          </a:xfrm>
+        </p:spPr>
+        <p:txBody>
+          <a:bodyPr/>
+          <a:lstStyle/>
+          <a:p>
+            <a:r>
+              <a:rPr lang="en-US" altLang="zh-CN" dirty="0" err="1" smtClean="0"/>
+              <a:t>int</a:t>
+            </a:r>
+            <a:r>
+              <a:rPr lang="en-US" altLang="zh-CN" dirty="0" smtClean="0"/>
+              <a:t>, float, String, char, </a:t>
+            </a:r>
+            <a:r>
+              <a:rPr lang="en-US" altLang="zh-CN" dirty="0" err="1" smtClean="0"/>
+              <a:t>boolean</a:t>
+            </a:r>
+            <a:endParaRPr lang="en-US" altLang="zh-CN" dirty="0" smtClean="0"/>
+          </a:p>
+          <a:p>
+            <a:r>
+              <a:rPr lang="en-US" altLang="zh-CN" dirty="0" smtClean="0"/>
+              <a:t>if, for, switch/case, while, do</a:t>
+            </a:r>
+          </a:p>
+          <a:p>
+            <a:r>
+              <a:rPr lang="zh-CN" altLang="en-US" dirty="0" smtClean="0"/>
+              <a:t>函数</a:t>
+            </a:r>
+            <a:endParaRPr lang="en-US" altLang="zh-CN" dirty="0" smtClean="0"/>
+          </a:p>
+          <a:p>
+            <a:r>
+              <a:rPr lang="zh-CN" altLang="en-US" dirty="0" smtClean="0"/>
+              <a:t>运算符 </a:t>
+            </a:r>
+            <a:r>
+              <a:rPr lang="en-US" altLang="zh-CN" dirty="0" smtClean="0"/>
+              <a:t>+ - * / </a:t>
+            </a:r>
+            <a:r>
+              <a:rPr lang="en-US" altLang="zh-CN" b="1" dirty="0" smtClean="0"/>
+              <a:t>% </a:t>
+            </a:r>
+          </a:p>
+          <a:p>
+            <a:r>
+              <a:rPr lang="zh-CN" altLang="en-US" dirty="0" smtClean="0"/>
+              <a:t>比较 </a:t>
+            </a:r>
+            <a:r>
+              <a:rPr lang="en-US" altLang="zh-CN" dirty="0" smtClean="0"/>
+              <a:t>== &gt; &lt; &gt;= &lt;= !=</a:t>
+            </a:r>
+          </a:p>
+          <a:p>
+            <a:r>
+              <a:rPr lang="zh-CN" altLang="en-US" dirty="0" smtClean="0"/>
+              <a:t>布尔 </a:t>
+            </a:r>
+            <a:r>
+              <a:rPr lang="en-US" altLang="zh-CN" dirty="0" smtClean="0"/>
+              <a:t>true, false, ! || &amp;&amp;</a:t>
+            </a:r>
+          </a:p>
+          <a:p>
+            <a:r>
+              <a:rPr lang="zh-CN" altLang="en-US" dirty="0" smtClean="0"/>
+              <a:t>语法</a:t>
+            </a:r>
+            <a:r>
+              <a:rPr lang="en-US" altLang="zh-CN" dirty="0" smtClean="0"/>
+              <a:t>(; : {})</a:t>
+            </a:r>
+            <a:endParaRPr lang="zh-CN" altLang="en-US" dirty="0" smtClean="0"/>
+          </a:p>
+          <a:p>
+            <a:pPr lvl="1">
+              <a:buNone/>
+            </a:pPr>
+            <a:endParaRPr lang="en-US" altLang="zh-CN" dirty="0" smtClean="0"/>
+          </a:p>
+        </p:txBody>
+      </p:sp>
+    </p:spTree>
+  </p:cSld>
+  <p:clrMapOvr>
+    <a:masterClrMapping/>
+  </p:clrMapOvr>
+  <p:timing>
+    <p:tnLst>
+      <p:par>
+        <p:cTn id="1" dur="indefinite" restart="never" nodeType="tmRoot"/>
+      </p:par>
+    </p:tnLst>
+  </p:timing>
+</p:sld>
+</file>
+
+<file path=ppt/slides/slide8.xml><?xml version="1.0" encoding="utf-8"?>
+<p:sld xmlns:a="http://schemas.openxmlformats.org/drawingml/2006/main" xmlns:r="http://schemas.openxmlformats.org/officeDocument/2006/relationships" xmlns:p="http://schemas.openxmlformats.org/presentationml/2006/main">
+  <p:cSld>
+    <p:spTree>
+      <p:nvGrpSpPr>
+        <p:cNvPr id="1" name=""/>
+        <p:cNvGrpSpPr/>
+        <p:nvPr/>
+      </p:nvGrpSpPr>
+      <p:grpSpPr>
+        <a:xfrm>
+          <a:off x="0" y="0"/>
+          <a:ext cx="0" cy="0"/>
+          <a:chOff x="0" y="0"/>
+          <a:chExt cx="0" cy="0"/>
+        </a:xfrm>
+      </p:grpSpPr>
+      <p:sp>
+        <p:nvSpPr>
+          <p:cNvPr id="2" name="标题 1"/>
+          <p:cNvSpPr>
+            <a:spLocks noGrp="1"/>
+          </p:cNvSpPr>
+          <p:nvPr>
+            <p:ph type="title"/>
+          </p:nvPr>
+        </p:nvSpPr>
+        <p:spPr/>
+        <p:txBody>
+          <a:bodyPr/>
+          <a:lstStyle/>
+          <a:p>
+            <a:r>
+              <a:rPr lang="zh-CN" altLang="en-US" dirty="0" smtClean="0"/>
+              <a:t>练习一</a:t>
+            </a:r>
+            <a:endParaRPr lang="zh-CN" altLang="en-US" dirty="0"/>
+          </a:p>
+        </p:txBody>
+      </p:sp>
+      <p:sp>
+        <p:nvSpPr>
+          <p:cNvPr id="3" name="内容占位符 2"/>
+          <p:cNvSpPr>
+            <a:spLocks noGrp="1"/>
+          </p:cNvSpPr>
+          <p:nvPr>
+            <p:ph idx="1"/>
+          </p:nvPr>
+        </p:nvSpPr>
+        <p:spPr/>
+        <p:txBody>
+          <a:bodyPr/>
+          <a:lstStyle/>
+          <a:p>
+            <a:r>
+              <a:rPr lang="zh-CN" altLang="en-US" dirty="0" smtClean="0"/>
+              <a:t>定义：输出</a:t>
+            </a:r>
+            <a:r>
+              <a:rPr lang="en-US" altLang="zh-CN" dirty="0" smtClean="0"/>
+              <a:t>1-N</a:t>
+            </a:r>
+            <a:r>
+              <a:rPr lang="zh-CN" altLang="en-US" dirty="0" smtClean="0"/>
+              <a:t>中可以被</a:t>
+            </a:r>
+            <a:r>
+              <a:rPr lang="en-US" altLang="zh-CN" dirty="0" smtClean="0"/>
+              <a:t>2</a:t>
+            </a:r>
+            <a:r>
+              <a:rPr lang="zh-CN" altLang="en-US" dirty="0" smtClean="0"/>
+              <a:t>整除的数</a:t>
+            </a:r>
+            <a:endParaRPr lang="en-US" altLang="zh-CN" dirty="0" smtClean="0"/>
+          </a:p>
+          <a:p>
+            <a:r>
+              <a:rPr lang="zh-CN" altLang="en-US" dirty="0" smtClean="0"/>
+              <a:t>输入：</a:t>
+            </a:r>
+            <a:r>
+              <a:rPr lang="en-US" altLang="zh-CN" dirty="0" smtClean="0"/>
+              <a:t>N</a:t>
+            </a:r>
+          </a:p>
+          <a:p>
+            <a:r>
+              <a:rPr lang="zh-CN" altLang="en-US" dirty="0" smtClean="0"/>
+              <a:t>输出：输出</a:t>
+            </a:r>
+            <a:r>
+              <a:rPr lang="en-US" altLang="zh-CN" dirty="0" smtClean="0"/>
+              <a:t>1-N</a:t>
+            </a:r>
+            <a:r>
+              <a:rPr lang="zh-CN" altLang="en-US" dirty="0" smtClean="0"/>
+              <a:t>中可以被</a:t>
+            </a:r>
+            <a:r>
+              <a:rPr lang="en-US" altLang="zh-CN" dirty="0" smtClean="0"/>
+              <a:t>2</a:t>
+            </a:r>
+            <a:r>
+              <a:rPr lang="zh-CN" altLang="en-US" dirty="0" smtClean="0"/>
+              <a:t>整除的数</a:t>
+            </a:r>
+            <a:endParaRPr lang="zh-CN" altLang="en-US" dirty="0"/>
+          </a:p>
+        </p:txBody>
+      </p:sp>
+    </p:spTree>
+  </p:cSld>
+  <p:clrMapOvr>
+    <a:masterClrMapping/>
+  </p:clrMapOvr>
+</p:sld>
+</file>
+
+<file path=ppt/slides/slide9.xml><?xml version="1.0" encoding="utf-8"?>
+<p:sld xmlns:a="http://schemas.openxmlformats.org/drawingml/2006/main" xmlns:r="http://schemas.openxmlformats.org/officeDocument/2006/relationships" xmlns:p="http://schemas.openxmlformats.org/presentationml/2006/main">
+  <p:cSld>
+    <p:spTree>
+      <p:nvGrpSpPr>
+        <p:cNvPr id="1" name=""/>
+        <p:cNvGrpSpPr/>
+        <p:nvPr/>
+      </p:nvGrpSpPr>
+      <p:grpSpPr>
+        <a:xfrm>
+          <a:off x="0" y="0"/>
+          <a:ext cx="0" cy="0"/>
+          <a:chOff x="0" y="0"/>
+          <a:chExt cx="0" cy="0"/>
+        </a:xfrm>
+      </p:grpSpPr>
+      <p:sp>
+        <p:nvSpPr>
+          <p:cNvPr id="2" name="标题 1"/>
+          <p:cNvSpPr>
+            <a:spLocks noGrp="1"/>
+          </p:cNvSpPr>
+          <p:nvPr>
+            <p:ph type="title"/>
+          </p:nvPr>
+        </p:nvSpPr>
+        <p:spPr/>
+        <p:txBody>
+          <a:bodyPr/>
+          <a:lstStyle/>
+          <a:p>
+            <a:r>
+              <a:rPr lang="zh-CN" altLang="en-US" dirty="0" smtClean="0"/>
+              <a:t>练习</a:t>
+            </a:r>
+            <a:r>
+              <a:rPr lang="zh-CN" altLang="en-US" dirty="0" smtClean="0"/>
+              <a:t>一</a:t>
+            </a:r>
+            <a:r>
+              <a:rPr lang="en-US" altLang="zh-CN" dirty="0" smtClean="0"/>
+              <a:t>(</a:t>
+            </a:r>
+            <a:r>
+              <a:rPr lang="zh-CN" altLang="en-US" dirty="0" smtClean="0"/>
+              <a:t>修改）</a:t>
+            </a:r>
+            <a:endParaRPr lang="zh-CN" altLang="en-US" dirty="0"/>
+          </a:p>
+        </p:txBody>
+      </p:sp>
+      <p:sp>
+        <p:nvSpPr>
+          <p:cNvPr id="3" name="内容占位符 2"/>
+          <p:cNvSpPr>
+            <a:spLocks noGrp="1"/>
+          </p:cNvSpPr>
+          <p:nvPr>
+            <p:ph idx="1"/>
+          </p:nvPr>
+        </p:nvSpPr>
+        <p:spPr/>
+        <p:txBody>
+          <a:bodyPr/>
+          <a:lstStyle/>
+          <a:p>
+            <a:r>
+              <a:rPr lang="zh-CN" altLang="en-US" dirty="0" smtClean="0"/>
+              <a:t>定义：输出</a:t>
+            </a:r>
+            <a:r>
+              <a:rPr lang="en-US" altLang="zh-CN" dirty="0" smtClean="0"/>
+              <a:t>1-N</a:t>
+            </a:r>
+            <a:r>
+              <a:rPr lang="zh-CN" altLang="en-US" dirty="0" smtClean="0"/>
+              <a:t>中可以</a:t>
+            </a:r>
+            <a:r>
+              <a:rPr lang="zh-CN" altLang="en-US" dirty="0" smtClean="0"/>
+              <a:t>被</a:t>
+            </a:r>
+            <a:r>
+              <a:rPr lang="en-US" altLang="zh-CN" dirty="0" smtClean="0"/>
+              <a:t>3</a:t>
+            </a:r>
+            <a:r>
+              <a:rPr lang="zh-CN" altLang="en-US" dirty="0" smtClean="0"/>
+              <a:t>整</a:t>
+            </a:r>
+            <a:r>
+              <a:rPr lang="zh-CN" altLang="en-US" dirty="0" smtClean="0"/>
+              <a:t>除</a:t>
+            </a:r>
+            <a:r>
+              <a:rPr lang="zh-CN" altLang="en-US" dirty="0" smtClean="0"/>
+              <a:t>的偶数</a:t>
+            </a:r>
+            <a:endParaRPr lang="en-US" altLang="zh-CN" dirty="0" smtClean="0"/>
+          </a:p>
+          <a:p>
+            <a:r>
+              <a:rPr lang="zh-CN" altLang="en-US" dirty="0" smtClean="0"/>
+              <a:t>输入：</a:t>
+            </a:r>
+            <a:r>
+              <a:rPr lang="en-US" altLang="zh-CN" dirty="0" smtClean="0"/>
+              <a:t>N</a:t>
+            </a:r>
+          </a:p>
+          <a:p>
+            <a:r>
+              <a:rPr lang="zh-CN" altLang="en-US" dirty="0" smtClean="0"/>
+              <a:t>输出</a:t>
+            </a:r>
+            <a:r>
+              <a:rPr lang="zh-CN" altLang="en-US" dirty="0" smtClean="0"/>
+              <a:t>：输出</a:t>
+            </a:r>
+            <a:r>
+              <a:rPr lang="en-US" altLang="zh-CN" dirty="0" smtClean="0"/>
+              <a:t>1-N</a:t>
+            </a:r>
+            <a:r>
+              <a:rPr lang="zh-CN" altLang="en-US" dirty="0" smtClean="0"/>
+              <a:t>中可以被</a:t>
+            </a:r>
+            <a:r>
+              <a:rPr lang="en-US" altLang="zh-CN" dirty="0" smtClean="0"/>
+              <a:t>3</a:t>
+            </a:r>
+            <a:r>
+              <a:rPr lang="zh-CN" altLang="en-US" dirty="0" smtClean="0"/>
+              <a:t>整除的偶数</a:t>
+            </a:r>
+            <a:endParaRPr lang="zh-CN" altLang="en-US" dirty="0"/>
+          </a:p>
+        </p:txBody>
+      </p:sp>
+    </p:spTree>
+  </p:cSld>
+  <p:clrMapOvr>
+    <a:masterClrMapping/>
+  </p:clrMapOvr>
 </p:sld>
 </file>
 
